--- a/2. 팀프로젝트 배포/2.3.CI_CD/젠킨스 CI_CD.pptx
+++ b/2. 팀프로젝트 배포/2.3.CI_CD/젠킨스 CI_CD.pptx
@@ -5,11 +5,12 @@
     <p:sldMasterId id="2147483648" r:id="rId1"/>
   </p:sldMasterIdLst>
   <p:notesMasterIdLst>
-    <p:notesMasterId r:id="rId4"/>
+    <p:notesMasterId r:id="rId5"/>
   </p:notesMasterIdLst>
   <p:sldIdLst>
     <p:sldId id="256" r:id="rId2"/>
     <p:sldId id="258" r:id="rId3"/>
+    <p:sldId id="259" r:id="rId4"/>
   </p:sldIdLst>
   <p:sldSz cx="9144000" cy="6858000" type="screen4x3"/>
   <p:notesSz cx="6858000" cy="9144000"/>
@@ -209,7 +210,7 @@
           <a:p>
             <a:fld id="{7587E804-7C0D-4CA7-93FE-EED6A06E6E62}" type="datetimeFigureOut">
               <a:rPr lang="ko-KR" altLang="en-US" smtClean="0"/>
-              <a:t>2023-11-24</a:t>
+              <a:t>2023-11-28</a:t>
             </a:fld>
             <a:endParaRPr lang="ko-KR" altLang="en-US"/>
           </a:p>
@@ -561,6 +562,90 @@
 </p:notes>
 </file>
 
+<file path=ppt/notesSlides/notesSlide2.xml><?xml version="1.0" encoding="utf-8"?>
+<p:notes xmlns:a="http://schemas.openxmlformats.org/drawingml/2006/main" xmlns:r="http://schemas.openxmlformats.org/officeDocument/2006/relationships" xmlns:p="http://schemas.openxmlformats.org/presentationml/2006/main">
+  <p:cSld>
+    <p:spTree>
+      <p:nvGrpSpPr>
+        <p:cNvPr id="1" name=""/>
+        <p:cNvGrpSpPr/>
+        <p:nvPr/>
+      </p:nvGrpSpPr>
+      <p:grpSpPr>
+        <a:xfrm>
+          <a:off x="0" y="0"/>
+          <a:ext cx="0" cy="0"/>
+          <a:chOff x="0" y="0"/>
+          <a:chExt cx="0" cy="0"/>
+        </a:xfrm>
+      </p:grpSpPr>
+      <p:sp>
+        <p:nvSpPr>
+          <p:cNvPr id="2" name="슬라이드 이미지 개체 틀 1"/>
+          <p:cNvSpPr>
+            <a:spLocks noGrp="1" noRot="1" noChangeAspect="1"/>
+          </p:cNvSpPr>
+          <p:nvPr>
+            <p:ph type="sldImg"/>
+          </p:nvPr>
+        </p:nvSpPr>
+        <p:spPr/>
+      </p:sp>
+      <p:sp>
+        <p:nvSpPr>
+          <p:cNvPr id="3" name="슬라이드 노트 개체 틀 2"/>
+          <p:cNvSpPr>
+            <a:spLocks noGrp="1"/>
+          </p:cNvSpPr>
+          <p:nvPr>
+            <p:ph type="body" idx="1"/>
+          </p:nvPr>
+        </p:nvSpPr>
+        <p:spPr/>
+        <p:txBody>
+          <a:bodyPr/>
+          <a:lstStyle/>
+          <a:p>
+            <a:endParaRPr lang="ko-KR" altLang="en-US" dirty="0"/>
+          </a:p>
+        </p:txBody>
+      </p:sp>
+      <p:sp>
+        <p:nvSpPr>
+          <p:cNvPr id="4" name="슬라이드 번호 개체 틀 3"/>
+          <p:cNvSpPr>
+            <a:spLocks noGrp="1"/>
+          </p:cNvSpPr>
+          <p:nvPr>
+            <p:ph type="sldNum" sz="quarter" idx="10"/>
+          </p:nvPr>
+        </p:nvSpPr>
+        <p:spPr/>
+        <p:txBody>
+          <a:bodyPr/>
+          <a:lstStyle/>
+          <a:p>
+            <a:fld id="{E89D63E7-15F6-4E9B-8A40-95D9996F858E}" type="slidenum">
+              <a:rPr lang="ko-KR" altLang="en-US" smtClean="0"/>
+              <a:t>3</a:t>
+            </a:fld>
+            <a:endParaRPr lang="ko-KR" altLang="en-US"/>
+          </a:p>
+        </p:txBody>
+      </p:sp>
+    </p:spTree>
+    <p:extLst>
+      <p:ext uri="{BB962C8B-B14F-4D97-AF65-F5344CB8AC3E}">
+        <p14:creationId xmlns:p14="http://schemas.microsoft.com/office/powerpoint/2010/main" val="1014971928"/>
+      </p:ext>
+    </p:extLst>
+  </p:cSld>
+  <p:clrMapOvr>
+    <a:masterClrMapping/>
+  </p:clrMapOvr>
+</p:notes>
+</file>
+
 <file path=ppt/slideLayouts/slideLayout1.xml><?xml version="1.0" encoding="utf-8"?>
 <p:sldLayout xmlns:a="http://schemas.openxmlformats.org/drawingml/2006/main" xmlns:r="http://schemas.openxmlformats.org/officeDocument/2006/relationships" xmlns:p="http://schemas.openxmlformats.org/presentationml/2006/main" type="title" preserve="1">
   <p:cSld name="제목 슬라이드">
@@ -743,7 +828,7 @@
             <a:fld id="{2507A560-5431-4D67-A70E-F61FB3F9DA0A}" type="datetimeFigureOut">
               <a:rPr lang="ko-KR" altLang="en-US" smtClean="0"/>
               <a:pPr/>
-              <a:t>2023-11-24</a:t>
+              <a:t>2023-11-28</a:t>
             </a:fld>
             <a:endParaRPr lang="ko-KR" altLang="en-US"/>
           </a:p>
@@ -910,7 +995,7 @@
             <a:fld id="{2507A560-5431-4D67-A70E-F61FB3F9DA0A}" type="datetimeFigureOut">
               <a:rPr lang="ko-KR" altLang="en-US" smtClean="0"/>
               <a:pPr/>
-              <a:t>2023-11-24</a:t>
+              <a:t>2023-11-28</a:t>
             </a:fld>
             <a:endParaRPr lang="ko-KR" altLang="en-US"/>
           </a:p>
@@ -1087,7 +1172,7 @@
             <a:fld id="{2507A560-5431-4D67-A70E-F61FB3F9DA0A}" type="datetimeFigureOut">
               <a:rPr lang="ko-KR" altLang="en-US" smtClean="0"/>
               <a:pPr/>
-              <a:t>2023-11-24</a:t>
+              <a:t>2023-11-28</a:t>
             </a:fld>
             <a:endParaRPr lang="ko-KR" altLang="en-US"/>
           </a:p>
@@ -1254,7 +1339,7 @@
             <a:fld id="{2507A560-5431-4D67-A70E-F61FB3F9DA0A}" type="datetimeFigureOut">
               <a:rPr lang="ko-KR" altLang="en-US" smtClean="0"/>
               <a:pPr/>
-              <a:t>2023-11-24</a:t>
+              <a:t>2023-11-28</a:t>
             </a:fld>
             <a:endParaRPr lang="ko-KR" altLang="en-US"/>
           </a:p>
@@ -1497,7 +1582,7 @@
             <a:fld id="{2507A560-5431-4D67-A70E-F61FB3F9DA0A}" type="datetimeFigureOut">
               <a:rPr lang="ko-KR" altLang="en-US" smtClean="0"/>
               <a:pPr/>
-              <a:t>2023-11-24</a:t>
+              <a:t>2023-11-28</a:t>
             </a:fld>
             <a:endParaRPr lang="ko-KR" altLang="en-US"/>
           </a:p>
@@ -1782,7 +1867,7 @@
             <a:fld id="{2507A560-5431-4D67-A70E-F61FB3F9DA0A}" type="datetimeFigureOut">
               <a:rPr lang="ko-KR" altLang="en-US" smtClean="0"/>
               <a:pPr/>
-              <a:t>2023-11-24</a:t>
+              <a:t>2023-11-28</a:t>
             </a:fld>
             <a:endParaRPr lang="ko-KR" altLang="en-US"/>
           </a:p>
@@ -2201,7 +2286,7 @@
             <a:fld id="{2507A560-5431-4D67-A70E-F61FB3F9DA0A}" type="datetimeFigureOut">
               <a:rPr lang="ko-KR" altLang="en-US" smtClean="0"/>
               <a:pPr/>
-              <a:t>2023-11-24</a:t>
+              <a:t>2023-11-28</a:t>
             </a:fld>
             <a:endParaRPr lang="ko-KR" altLang="en-US"/>
           </a:p>
@@ -2316,7 +2401,7 @@
             <a:fld id="{2507A560-5431-4D67-A70E-F61FB3F9DA0A}" type="datetimeFigureOut">
               <a:rPr lang="ko-KR" altLang="en-US" smtClean="0"/>
               <a:pPr/>
-              <a:t>2023-11-24</a:t>
+              <a:t>2023-11-28</a:t>
             </a:fld>
             <a:endParaRPr lang="ko-KR" altLang="en-US"/>
           </a:p>
@@ -2408,7 +2493,7 @@
             <a:fld id="{2507A560-5431-4D67-A70E-F61FB3F9DA0A}" type="datetimeFigureOut">
               <a:rPr lang="ko-KR" altLang="en-US" smtClean="0"/>
               <a:pPr/>
-              <a:t>2023-11-24</a:t>
+              <a:t>2023-11-28</a:t>
             </a:fld>
             <a:endParaRPr lang="ko-KR" altLang="en-US"/>
           </a:p>
@@ -2682,7 +2767,7 @@
             <a:fld id="{2507A560-5431-4D67-A70E-F61FB3F9DA0A}" type="datetimeFigureOut">
               <a:rPr lang="ko-KR" altLang="en-US" smtClean="0"/>
               <a:pPr/>
-              <a:t>2023-11-24</a:t>
+              <a:t>2023-11-28</a:t>
             </a:fld>
             <a:endParaRPr lang="ko-KR" altLang="en-US"/>
           </a:p>
@@ -2932,7 +3017,7 @@
             <a:fld id="{2507A560-5431-4D67-A70E-F61FB3F9DA0A}" type="datetimeFigureOut">
               <a:rPr lang="ko-KR" altLang="en-US" smtClean="0"/>
               <a:pPr/>
-              <a:t>2023-11-24</a:t>
+              <a:t>2023-11-28</a:t>
             </a:fld>
             <a:endParaRPr lang="ko-KR" altLang="en-US"/>
           </a:p>
@@ -3142,7 +3227,7 @@
             <a:fld id="{2507A560-5431-4D67-A70E-F61FB3F9DA0A}" type="datetimeFigureOut">
               <a:rPr lang="ko-KR" altLang="en-US" smtClean="0"/>
               <a:pPr/>
-              <a:t>2023-11-24</a:t>
+              <a:t>2023-11-28</a:t>
             </a:fld>
             <a:endParaRPr lang="ko-KR" altLang="en-US"/>
           </a:p>
@@ -3603,6 +3688,13 @@
   <p:clrMapOvr>
     <a:masterClrMapping/>
   </p:clrMapOvr>
+  <p:timing>
+    <p:tnLst>
+      <p:par>
+        <p:cTn id="1" dur="indefinite" restart="never" nodeType="tmRoot"/>
+      </p:par>
+    </p:tnLst>
+  </p:timing>
 </p:sld>
 </file>
 
@@ -4791,13 +4883,8 @@
           <a:p>
             <a:r>
               <a:rPr lang="en-US" altLang="ko-KR" sz="1600" dirty="0" smtClean="0"/>
-              <a:t>pull </a:t>
-            </a:r>
-            <a:r>
-              <a:rPr lang="en-US" altLang="ko-KR" sz="1600" dirty="0" smtClean="0"/>
-              <a:t>images</a:t>
-            </a:r>
-            <a:endParaRPr lang="en-US" altLang="ko-KR" sz="1600" dirty="0" smtClean="0"/>
+              <a:t>pull images</a:t>
+            </a:r>
           </a:p>
         </p:txBody>
       </p:sp>
@@ -4891,13 +4978,8 @@
           <a:p>
             <a:r>
               <a:rPr lang="en-US" altLang="ko-KR" sz="1600" dirty="0" smtClean="0"/>
-              <a:t>run </a:t>
-            </a:r>
-            <a:r>
-              <a:rPr lang="en-US" altLang="ko-KR" sz="1600" dirty="0" smtClean="0"/>
-              <a:t>containers</a:t>
-            </a:r>
-            <a:endParaRPr lang="en-US" altLang="ko-KR" sz="1600" dirty="0" smtClean="0"/>
+              <a:t>run containers</a:t>
+            </a:r>
           </a:p>
         </p:txBody>
       </p:sp>
@@ -5421,6 +5503,2096 @@
         </p:spPr>
       </p:pic>
     </p:spTree>
+  </p:cSld>
+  <p:clrMapOvr>
+    <a:masterClrMapping/>
+  </p:clrMapOvr>
+  <p:timing>
+    <p:tnLst>
+      <p:par>
+        <p:cTn id="1" dur="indefinite" restart="never" nodeType="tmRoot"/>
+      </p:par>
+    </p:tnLst>
+  </p:timing>
+</p:sld>
+</file>
+
+<file path=ppt/slides/slide3.xml><?xml version="1.0" encoding="utf-8"?>
+<p:sld xmlns:a="http://schemas.openxmlformats.org/drawingml/2006/main" xmlns:r="http://schemas.openxmlformats.org/officeDocument/2006/relationships" xmlns:p="http://schemas.openxmlformats.org/presentationml/2006/main">
+  <p:cSld>
+    <p:spTree>
+      <p:nvGrpSpPr>
+        <p:cNvPr id="1" name=""/>
+        <p:cNvGrpSpPr/>
+        <p:nvPr/>
+      </p:nvGrpSpPr>
+      <p:grpSpPr>
+        <a:xfrm>
+          <a:off x="0" y="0"/>
+          <a:ext cx="0" cy="0"/>
+          <a:chOff x="0" y="0"/>
+          <a:chExt cx="0" cy="0"/>
+        </a:xfrm>
+      </p:grpSpPr>
+      <p:sp>
+        <p:nvSpPr>
+          <p:cNvPr id="2" name="제목 1"/>
+          <p:cNvSpPr>
+            <a:spLocks noGrp="1"/>
+          </p:cNvSpPr>
+          <p:nvPr>
+            <p:ph type="title"/>
+          </p:nvPr>
+        </p:nvSpPr>
+        <p:spPr>
+          <a:xfrm>
+            <a:off x="457200" y="274638"/>
+            <a:ext cx="8229600" cy="725470"/>
+          </a:xfrm>
+        </p:spPr>
+        <p:txBody>
+          <a:bodyPr>
+            <a:normAutofit/>
+          </a:bodyPr>
+          <a:lstStyle/>
+          <a:p>
+            <a:r>
+              <a:rPr lang="en-US" altLang="ko-KR" sz="3200" dirty="0" smtClean="0"/>
+              <a:t>Jenkins/</a:t>
+            </a:r>
+            <a:r>
+              <a:rPr lang="ko-KR" altLang="en-US" sz="3200" dirty="0" err="1" smtClean="0"/>
+              <a:t>서버리스</a:t>
+            </a:r>
+            <a:r>
+              <a:rPr lang="en-US" altLang="ko-KR" sz="3200" dirty="0" smtClean="0"/>
+              <a:t> </a:t>
+            </a:r>
+            <a:r>
+              <a:rPr lang="ko-KR" altLang="en-US" sz="3200" dirty="0" smtClean="0"/>
+              <a:t>기반 </a:t>
+            </a:r>
+            <a:r>
+              <a:rPr lang="en-US" altLang="ko-KR" sz="3200" dirty="0" smtClean="0"/>
+              <a:t>CI/CD</a:t>
+            </a:r>
+            <a:r>
+              <a:rPr lang="ko-KR" altLang="en-US" sz="3200" dirty="0" smtClean="0"/>
+              <a:t>구성도 예</a:t>
+            </a:r>
+            <a:endParaRPr lang="ko-KR" altLang="en-US" sz="3200" dirty="0"/>
+          </a:p>
+        </p:txBody>
+      </p:sp>
+      <p:pic>
+        <p:nvPicPr>
+          <p:cNvPr id="1026" name="Picture 2" descr="C:\Program Files (x86)\Microsoft Office\MEDIA\CAGCAT10\j0292020.wmf"/>
+          <p:cNvPicPr>
+            <a:picLocks noChangeAspect="1" noChangeArrowheads="1"/>
+          </p:cNvPicPr>
+          <p:nvPr/>
+        </p:nvPicPr>
+        <p:blipFill>
+          <a:blip r:embed="rId3"/>
+          <a:srcRect/>
+          <a:stretch>
+            <a:fillRect/>
+          </a:stretch>
+        </p:blipFill>
+        <p:spPr bwMode="auto">
+          <a:xfrm>
+            <a:off x="500034" y="4929198"/>
+            <a:ext cx="785818" cy="745835"/>
+          </a:xfrm>
+          <a:prstGeom prst="rect">
+            <a:avLst/>
+          </a:prstGeom>
+          <a:noFill/>
+        </p:spPr>
+      </p:pic>
+      <p:sp>
+        <p:nvSpPr>
+          <p:cNvPr id="1028" name="AutoShape 4" descr="github 이미지 검색결과"/>
+          <p:cNvSpPr>
+            <a:spLocks noChangeAspect="1" noChangeArrowheads="1"/>
+          </p:cNvSpPr>
+          <p:nvPr/>
+        </p:nvSpPr>
+        <p:spPr bwMode="auto">
+          <a:xfrm>
+            <a:off x="168275" y="-144463"/>
+            <a:ext cx="304800" cy="304801"/>
+          </a:xfrm>
+          <a:prstGeom prst="rect">
+            <a:avLst/>
+          </a:prstGeom>
+          <a:noFill/>
+        </p:spPr>
+        <p:txBody>
+          <a:bodyPr vert="horz" wrap="square" lIns="91440" tIns="45720" rIns="91440" bIns="45720" numCol="1" anchor="t" anchorCtr="0" compatLnSpc="1">
+            <a:prstTxWarp prst="textNoShape">
+              <a:avLst/>
+            </a:prstTxWarp>
+          </a:bodyPr>
+          <a:lstStyle/>
+          <a:p>
+            <a:endParaRPr lang="ko-KR" altLang="en-US"/>
+          </a:p>
+        </p:txBody>
+      </p:sp>
+      <p:sp>
+        <p:nvSpPr>
+          <p:cNvPr id="1030" name="AutoShape 6" descr="github 이미지 검색결과"/>
+          <p:cNvSpPr>
+            <a:spLocks noChangeAspect="1" noChangeArrowheads="1"/>
+          </p:cNvSpPr>
+          <p:nvPr/>
+        </p:nvSpPr>
+        <p:spPr bwMode="auto">
+          <a:xfrm>
+            <a:off x="168275" y="-144463"/>
+            <a:ext cx="304800" cy="304801"/>
+          </a:xfrm>
+          <a:prstGeom prst="rect">
+            <a:avLst/>
+          </a:prstGeom>
+          <a:noFill/>
+        </p:spPr>
+        <p:txBody>
+          <a:bodyPr vert="horz" wrap="square" lIns="91440" tIns="45720" rIns="91440" bIns="45720" numCol="1" anchor="t" anchorCtr="0" compatLnSpc="1">
+            <a:prstTxWarp prst="textNoShape">
+              <a:avLst/>
+            </a:prstTxWarp>
+          </a:bodyPr>
+          <a:lstStyle/>
+          <a:p>
+            <a:endParaRPr lang="ko-KR" altLang="en-US"/>
+          </a:p>
+        </p:txBody>
+      </p:sp>
+      <p:sp>
+        <p:nvSpPr>
+          <p:cNvPr id="1032" name="AutoShape 8" descr="github 이미지 검색결과"/>
+          <p:cNvSpPr>
+            <a:spLocks noChangeAspect="1" noChangeArrowheads="1"/>
+          </p:cNvSpPr>
+          <p:nvPr/>
+        </p:nvSpPr>
+        <p:spPr bwMode="auto">
+          <a:xfrm>
+            <a:off x="168275" y="-144463"/>
+            <a:ext cx="304800" cy="304801"/>
+          </a:xfrm>
+          <a:prstGeom prst="rect">
+            <a:avLst/>
+          </a:prstGeom>
+          <a:noFill/>
+        </p:spPr>
+        <p:txBody>
+          <a:bodyPr vert="horz" wrap="square" lIns="91440" tIns="45720" rIns="91440" bIns="45720" numCol="1" anchor="t" anchorCtr="0" compatLnSpc="1">
+            <a:prstTxWarp prst="textNoShape">
+              <a:avLst/>
+            </a:prstTxWarp>
+          </a:bodyPr>
+          <a:lstStyle/>
+          <a:p>
+            <a:endParaRPr lang="ko-KR" altLang="en-US"/>
+          </a:p>
+        </p:txBody>
+      </p:sp>
+      <p:sp>
+        <p:nvSpPr>
+          <p:cNvPr id="18" name="TextBox 17"/>
+          <p:cNvSpPr txBox="1"/>
+          <p:nvPr/>
+        </p:nvSpPr>
+        <p:spPr>
+          <a:xfrm>
+            <a:off x="285720" y="1857364"/>
+            <a:ext cx="1271502" cy="369332"/>
+          </a:xfrm>
+          <a:prstGeom prst="rect">
+            <a:avLst/>
+          </a:prstGeom>
+          <a:noFill/>
+        </p:spPr>
+        <p:txBody>
+          <a:bodyPr wrap="none" rtlCol="0">
+            <a:spAutoFit/>
+          </a:bodyPr>
+          <a:lstStyle/>
+          <a:p>
+            <a:r>
+              <a:rPr lang="ko-KR" altLang="en-US" dirty="0" smtClean="0"/>
+              <a:t>소스 관리 </a:t>
+            </a:r>
+            <a:endParaRPr lang="en-US" altLang="ko-KR" dirty="0" smtClean="0"/>
+          </a:p>
+        </p:txBody>
+      </p:sp>
+      <p:sp>
+        <p:nvSpPr>
+          <p:cNvPr id="19" name="TextBox 18"/>
+          <p:cNvSpPr txBox="1"/>
+          <p:nvPr/>
+        </p:nvSpPr>
+        <p:spPr>
+          <a:xfrm>
+            <a:off x="2212349" y="1790972"/>
+            <a:ext cx="1199367" cy="369332"/>
+          </a:xfrm>
+          <a:prstGeom prst="rect">
+            <a:avLst/>
+          </a:prstGeom>
+          <a:noFill/>
+        </p:spPr>
+        <p:txBody>
+          <a:bodyPr wrap="none" rtlCol="0">
+            <a:spAutoFit/>
+          </a:bodyPr>
+          <a:lstStyle/>
+          <a:p>
+            <a:r>
+              <a:rPr lang="ko-KR" altLang="en-US" dirty="0" err="1" smtClean="0"/>
+              <a:t>빌드</a:t>
+            </a:r>
+            <a:r>
+              <a:rPr lang="en-US" altLang="ko-KR" dirty="0" smtClean="0"/>
+              <a:t>/</a:t>
+            </a:r>
+            <a:r>
+              <a:rPr lang="ko-KR" altLang="en-US" dirty="0" smtClean="0"/>
+              <a:t>배포</a:t>
+            </a:r>
+            <a:endParaRPr lang="ko-KR" altLang="en-US" dirty="0"/>
+          </a:p>
+        </p:txBody>
+      </p:sp>
+      <p:grpSp>
+        <p:nvGrpSpPr>
+          <p:cNvPr id="4" name="그룹 21"/>
+          <p:cNvGrpSpPr/>
+          <p:nvPr/>
+        </p:nvGrpSpPr>
+        <p:grpSpPr>
+          <a:xfrm>
+            <a:off x="428596" y="2571744"/>
+            <a:ext cx="814372" cy="1052934"/>
+            <a:chOff x="1214414" y="2285992"/>
+            <a:chExt cx="814372" cy="1052934"/>
+          </a:xfrm>
+        </p:grpSpPr>
+        <p:pic>
+          <p:nvPicPr>
+            <p:cNvPr id="1034" name="Picture 10" descr="github 이미지 검색결과&quot;"/>
+            <p:cNvPicPr>
+              <a:picLocks noChangeAspect="1" noChangeArrowheads="1"/>
+            </p:cNvPicPr>
+            <p:nvPr/>
+          </p:nvPicPr>
+          <p:blipFill>
+            <a:blip r:embed="rId4" cstate="print"/>
+            <a:srcRect/>
+            <a:stretch>
+              <a:fillRect/>
+            </a:stretch>
+          </p:blipFill>
+          <p:spPr bwMode="auto">
+            <a:xfrm>
+              <a:off x="1357290" y="2285992"/>
+              <a:ext cx="671496" cy="671496"/>
+            </a:xfrm>
+            <a:prstGeom prst="rect">
+              <a:avLst/>
+            </a:prstGeom>
+            <a:noFill/>
+          </p:spPr>
+        </p:pic>
+        <p:sp>
+          <p:nvSpPr>
+            <p:cNvPr id="21" name="직사각형 20"/>
+            <p:cNvSpPr/>
+            <p:nvPr/>
+          </p:nvSpPr>
+          <p:spPr>
+            <a:xfrm>
+              <a:off x="1214414" y="3000372"/>
+              <a:ext cx="811441" cy="338554"/>
+            </a:xfrm>
+            <a:prstGeom prst="rect">
+              <a:avLst/>
+            </a:prstGeom>
+          </p:spPr>
+          <p:txBody>
+            <a:bodyPr wrap="none">
+              <a:spAutoFit/>
+            </a:bodyPr>
+            <a:lstStyle/>
+            <a:p>
+              <a:r>
+                <a:rPr lang="en-US" altLang="ko-KR" sz="1600" dirty="0" err="1" smtClean="0"/>
+                <a:t>Github</a:t>
+              </a:r>
+              <a:endParaRPr lang="ko-KR" altLang="en-US" sz="1600" dirty="0"/>
+            </a:p>
+          </p:txBody>
+        </p:sp>
+      </p:grpSp>
+      <p:cxnSp>
+        <p:nvCxnSpPr>
+          <p:cNvPr id="25" name="직선 화살표 연결선 24"/>
+          <p:cNvCxnSpPr/>
+          <p:nvPr/>
+        </p:nvCxnSpPr>
+        <p:spPr>
+          <a:xfrm rot="5400000" flipH="1" flipV="1">
+            <a:off x="428596" y="4286256"/>
+            <a:ext cx="857256" cy="1588"/>
+          </a:xfrm>
+          <a:prstGeom prst="straightConnector1">
+            <a:avLst/>
+          </a:prstGeom>
+          <a:ln>
+            <a:tailEnd type="arrow"/>
+          </a:ln>
+        </p:spPr>
+        <p:style>
+          <a:lnRef idx="1">
+            <a:schemeClr val="accent1"/>
+          </a:lnRef>
+          <a:fillRef idx="0">
+            <a:schemeClr val="accent1"/>
+          </a:fillRef>
+          <a:effectRef idx="0">
+            <a:schemeClr val="accent1"/>
+          </a:effectRef>
+          <a:fontRef idx="minor">
+            <a:schemeClr val="tx1"/>
+          </a:fontRef>
+        </p:style>
+      </p:cxnSp>
+      <p:sp>
+        <p:nvSpPr>
+          <p:cNvPr id="27" name="TextBox 26"/>
+          <p:cNvSpPr txBox="1"/>
+          <p:nvPr/>
+        </p:nvSpPr>
+        <p:spPr>
+          <a:xfrm>
+            <a:off x="859187" y="4117773"/>
+            <a:ext cx="1310295" cy="338554"/>
+          </a:xfrm>
+          <a:prstGeom prst="rect">
+            <a:avLst/>
+          </a:prstGeom>
+          <a:noFill/>
+        </p:spPr>
+        <p:txBody>
+          <a:bodyPr wrap="none" rtlCol="0">
+            <a:spAutoFit/>
+          </a:bodyPr>
+          <a:lstStyle/>
+          <a:p>
+            <a:r>
+              <a:rPr lang="en-US" altLang="ko-KR" sz="1600" dirty="0"/>
+              <a:t>p</a:t>
+            </a:r>
+            <a:r>
+              <a:rPr lang="en-US" altLang="ko-KR" sz="1600" dirty="0" smtClean="0"/>
+              <a:t>ush/merge</a:t>
+            </a:r>
+            <a:endParaRPr lang="ko-KR" altLang="en-US" sz="1600" dirty="0"/>
+          </a:p>
+        </p:txBody>
+      </p:sp>
+      <p:cxnSp>
+        <p:nvCxnSpPr>
+          <p:cNvPr id="29" name="직선 연결선 28"/>
+          <p:cNvCxnSpPr/>
+          <p:nvPr/>
+        </p:nvCxnSpPr>
+        <p:spPr>
+          <a:xfrm rot="5400000">
+            <a:off x="-546172" y="4022907"/>
+            <a:ext cx="4715702" cy="794"/>
+          </a:xfrm>
+          <a:prstGeom prst="line">
+            <a:avLst/>
+          </a:prstGeom>
+          <a:ln>
+            <a:solidFill>
+              <a:schemeClr val="tx1"/>
+            </a:solidFill>
+          </a:ln>
+        </p:spPr>
+        <p:style>
+          <a:lnRef idx="1">
+            <a:schemeClr val="accent1"/>
+          </a:lnRef>
+          <a:fillRef idx="0">
+            <a:schemeClr val="accent1"/>
+          </a:fillRef>
+          <a:effectRef idx="0">
+            <a:schemeClr val="accent1"/>
+          </a:effectRef>
+          <a:fontRef idx="minor">
+            <a:schemeClr val="tx1"/>
+          </a:fontRef>
+        </p:style>
+      </p:cxnSp>
+      <p:cxnSp>
+        <p:nvCxnSpPr>
+          <p:cNvPr id="31" name="직선 연결선 30"/>
+          <p:cNvCxnSpPr/>
+          <p:nvPr/>
+        </p:nvCxnSpPr>
+        <p:spPr>
+          <a:xfrm rot="5400000">
+            <a:off x="1540039" y="4105264"/>
+            <a:ext cx="4715702" cy="794"/>
+          </a:xfrm>
+          <a:prstGeom prst="line">
+            <a:avLst/>
+          </a:prstGeom>
+          <a:ln>
+            <a:solidFill>
+              <a:schemeClr val="tx1"/>
+            </a:solidFill>
+          </a:ln>
+        </p:spPr>
+        <p:style>
+          <a:lnRef idx="1">
+            <a:schemeClr val="accent1"/>
+          </a:lnRef>
+          <a:fillRef idx="0">
+            <a:schemeClr val="accent1"/>
+          </a:fillRef>
+          <a:effectRef idx="0">
+            <a:schemeClr val="accent1"/>
+          </a:effectRef>
+          <a:fontRef idx="minor">
+            <a:schemeClr val="tx1"/>
+          </a:fontRef>
+        </p:style>
+      </p:cxnSp>
+      <p:cxnSp>
+        <p:nvCxnSpPr>
+          <p:cNvPr id="32" name="직선 화살표 연결선 31"/>
+          <p:cNvCxnSpPr/>
+          <p:nvPr/>
+        </p:nvCxnSpPr>
+        <p:spPr>
+          <a:xfrm flipV="1">
+            <a:off x="1357290" y="2735319"/>
+            <a:ext cx="695828" cy="2843"/>
+          </a:xfrm>
+          <a:prstGeom prst="straightConnector1">
+            <a:avLst/>
+          </a:prstGeom>
+          <a:ln>
+            <a:tailEnd type="arrow"/>
+          </a:ln>
+        </p:spPr>
+        <p:style>
+          <a:lnRef idx="1">
+            <a:schemeClr val="accent1"/>
+          </a:lnRef>
+          <a:fillRef idx="0">
+            <a:schemeClr val="accent1"/>
+          </a:fillRef>
+          <a:effectRef idx="0">
+            <a:schemeClr val="accent1"/>
+          </a:effectRef>
+          <a:fontRef idx="minor">
+            <a:schemeClr val="tx1"/>
+          </a:fontRef>
+        </p:style>
+      </p:cxnSp>
+      <p:sp>
+        <p:nvSpPr>
+          <p:cNvPr id="38" name="TextBox 37"/>
+          <p:cNvSpPr txBox="1"/>
+          <p:nvPr/>
+        </p:nvSpPr>
+        <p:spPr>
+          <a:xfrm>
+            <a:off x="1302649" y="2313946"/>
+            <a:ext cx="1037976" cy="338554"/>
+          </a:xfrm>
+          <a:prstGeom prst="rect">
+            <a:avLst/>
+          </a:prstGeom>
+          <a:noFill/>
+        </p:spPr>
+        <p:txBody>
+          <a:bodyPr wrap="none" rtlCol="0">
+            <a:spAutoFit/>
+          </a:bodyPr>
+          <a:lstStyle/>
+          <a:p>
+            <a:r>
+              <a:rPr lang="en-US" altLang="ko-KR" sz="1600" dirty="0" err="1" smtClean="0"/>
+              <a:t>webhook</a:t>
+            </a:r>
+            <a:endParaRPr lang="ko-KR" altLang="en-US" sz="1600" dirty="0"/>
+          </a:p>
+        </p:txBody>
+      </p:sp>
+      <p:sp>
+        <p:nvSpPr>
+          <p:cNvPr id="40" name="TextBox 39"/>
+          <p:cNvSpPr txBox="1"/>
+          <p:nvPr/>
+        </p:nvSpPr>
+        <p:spPr>
+          <a:xfrm>
+            <a:off x="3050461" y="8013753"/>
+            <a:ext cx="235181" cy="2062103"/>
+          </a:xfrm>
+          <a:prstGeom prst="rect">
+            <a:avLst/>
+          </a:prstGeom>
+          <a:noFill/>
+        </p:spPr>
+        <p:txBody>
+          <a:bodyPr wrap="square" rtlCol="0">
+            <a:spAutoFit/>
+          </a:bodyPr>
+          <a:lstStyle/>
+          <a:p>
+            <a:r>
+              <a:rPr lang="en-US" altLang="ko-KR" sz="1600" dirty="0" smtClean="0"/>
+              <a:t>build jar</a:t>
+            </a:r>
+            <a:endParaRPr lang="ko-KR" altLang="en-US" sz="1600" dirty="0"/>
+          </a:p>
+        </p:txBody>
+      </p:sp>
+      <p:cxnSp>
+        <p:nvCxnSpPr>
+          <p:cNvPr id="41" name="직선 화살표 연결선 40"/>
+          <p:cNvCxnSpPr/>
+          <p:nvPr/>
+        </p:nvCxnSpPr>
+        <p:spPr>
+          <a:xfrm rot="5400000">
+            <a:off x="2511170" y="4631807"/>
+            <a:ext cx="214316" cy="795"/>
+          </a:xfrm>
+          <a:prstGeom prst="straightConnector1">
+            <a:avLst/>
+          </a:prstGeom>
+          <a:ln>
+            <a:tailEnd type="arrow"/>
+          </a:ln>
+        </p:spPr>
+        <p:style>
+          <a:lnRef idx="1">
+            <a:schemeClr val="accent1"/>
+          </a:lnRef>
+          <a:fillRef idx="0">
+            <a:schemeClr val="accent1"/>
+          </a:fillRef>
+          <a:effectRef idx="0">
+            <a:schemeClr val="accent1"/>
+          </a:effectRef>
+          <a:fontRef idx="minor">
+            <a:schemeClr val="tx1"/>
+          </a:fontRef>
+        </p:style>
+      </p:cxnSp>
+      <p:cxnSp>
+        <p:nvCxnSpPr>
+          <p:cNvPr id="50" name="직선 화살표 연결선 49"/>
+          <p:cNvCxnSpPr/>
+          <p:nvPr/>
+        </p:nvCxnSpPr>
+        <p:spPr>
+          <a:xfrm rot="5400000">
+            <a:off x="2475055" y="5239426"/>
+            <a:ext cx="285752" cy="1588"/>
+          </a:xfrm>
+          <a:prstGeom prst="straightConnector1">
+            <a:avLst/>
+          </a:prstGeom>
+          <a:ln>
+            <a:tailEnd type="arrow"/>
+          </a:ln>
+        </p:spPr>
+        <p:style>
+          <a:lnRef idx="1">
+            <a:schemeClr val="accent1"/>
+          </a:lnRef>
+          <a:fillRef idx="0">
+            <a:schemeClr val="accent1"/>
+          </a:fillRef>
+          <a:effectRef idx="0">
+            <a:schemeClr val="accent1"/>
+          </a:effectRef>
+          <a:fontRef idx="minor">
+            <a:schemeClr val="tx1"/>
+          </a:fontRef>
+        </p:style>
+      </p:cxnSp>
+      <p:sp>
+        <p:nvSpPr>
+          <p:cNvPr id="59" name="TextBox 58"/>
+          <p:cNvSpPr txBox="1"/>
+          <p:nvPr/>
+        </p:nvSpPr>
+        <p:spPr>
+          <a:xfrm>
+            <a:off x="3205585" y="5825657"/>
+            <a:ext cx="829394" cy="338554"/>
+          </a:xfrm>
+          <a:prstGeom prst="rect">
+            <a:avLst/>
+          </a:prstGeom>
+          <a:noFill/>
+        </p:spPr>
+        <p:txBody>
+          <a:bodyPr wrap="none" rtlCol="0">
+            <a:spAutoFit/>
+          </a:bodyPr>
+          <a:lstStyle/>
+          <a:p>
+            <a:r>
+              <a:rPr lang="en-US" altLang="ko-KR" sz="1600" dirty="0" smtClean="0"/>
+              <a:t>upload</a:t>
+            </a:r>
+            <a:endParaRPr lang="en-US" altLang="ko-KR" sz="1600" dirty="0" smtClean="0"/>
+          </a:p>
+        </p:txBody>
+      </p:sp>
+      <p:pic>
+        <p:nvPicPr>
+          <p:cNvPr id="1038" name="Picture 14" descr="aws ec2 png 이미지 검색결과&quot;"/>
+          <p:cNvPicPr>
+            <a:picLocks noChangeAspect="1" noChangeArrowheads="1"/>
+          </p:cNvPicPr>
+          <p:nvPr/>
+        </p:nvPicPr>
+        <p:blipFill>
+          <a:blip r:embed="rId5"/>
+          <a:srcRect/>
+          <a:stretch>
+            <a:fillRect/>
+          </a:stretch>
+        </p:blipFill>
+        <p:spPr bwMode="auto">
+          <a:xfrm>
+            <a:off x="1762619" y="2146096"/>
+            <a:ext cx="2068572" cy="1321588"/>
+          </a:xfrm>
+          <a:prstGeom prst="rect">
+            <a:avLst/>
+          </a:prstGeom>
+          <a:noFill/>
+        </p:spPr>
+      </p:pic>
+      <p:grpSp>
+        <p:nvGrpSpPr>
+          <p:cNvPr id="48" name="그룹 47"/>
+          <p:cNvGrpSpPr/>
+          <p:nvPr/>
+        </p:nvGrpSpPr>
+        <p:grpSpPr>
+          <a:xfrm>
+            <a:off x="2189303" y="3453476"/>
+            <a:ext cx="849913" cy="1052934"/>
+            <a:chOff x="3786182" y="2928934"/>
+            <a:chExt cx="849913" cy="1052934"/>
+          </a:xfrm>
+        </p:grpSpPr>
+        <p:pic>
+          <p:nvPicPr>
+            <p:cNvPr id="1042" name="Picture 18" descr="jenkins png 이미지 검색결과&quot;"/>
+            <p:cNvPicPr>
+              <a:picLocks noChangeAspect="1" noChangeArrowheads="1"/>
+            </p:cNvPicPr>
+            <p:nvPr/>
+          </p:nvPicPr>
+          <p:blipFill>
+            <a:blip r:embed="rId6" cstate="print"/>
+            <a:srcRect/>
+            <a:stretch>
+              <a:fillRect/>
+            </a:stretch>
+          </p:blipFill>
+          <p:spPr bwMode="auto">
+            <a:xfrm>
+              <a:off x="3929058" y="2928934"/>
+              <a:ext cx="574747" cy="795326"/>
+            </a:xfrm>
+            <a:prstGeom prst="rect">
+              <a:avLst/>
+            </a:prstGeom>
+            <a:noFill/>
+          </p:spPr>
+        </p:pic>
+        <p:sp>
+          <p:nvSpPr>
+            <p:cNvPr id="62" name="직사각형 61"/>
+            <p:cNvSpPr/>
+            <p:nvPr/>
+          </p:nvSpPr>
+          <p:spPr>
+            <a:xfrm>
+              <a:off x="3786182" y="3643314"/>
+              <a:ext cx="849913" cy="338554"/>
+            </a:xfrm>
+            <a:prstGeom prst="rect">
+              <a:avLst/>
+            </a:prstGeom>
+          </p:spPr>
+          <p:txBody>
+            <a:bodyPr wrap="none">
+              <a:spAutoFit/>
+            </a:bodyPr>
+            <a:lstStyle/>
+            <a:p>
+              <a:r>
+                <a:rPr lang="en-US" altLang="ko-KR" sz="1600" dirty="0" smtClean="0"/>
+                <a:t>Jenkins</a:t>
+              </a:r>
+              <a:endParaRPr lang="ko-KR" altLang="en-US" sz="1600" dirty="0"/>
+            </a:p>
+          </p:txBody>
+        </p:sp>
+      </p:grpSp>
+      <p:sp>
+        <p:nvSpPr>
+          <p:cNvPr id="44" name="TextBox 43"/>
+          <p:cNvSpPr txBox="1"/>
+          <p:nvPr/>
+        </p:nvSpPr>
+        <p:spPr>
+          <a:xfrm>
+            <a:off x="4021189" y="1743782"/>
+            <a:ext cx="1420582" cy="369332"/>
+          </a:xfrm>
+          <a:prstGeom prst="rect">
+            <a:avLst/>
+          </a:prstGeom>
+          <a:noFill/>
+        </p:spPr>
+        <p:txBody>
+          <a:bodyPr wrap="none" rtlCol="0">
+            <a:spAutoFit/>
+          </a:bodyPr>
+          <a:lstStyle/>
+          <a:p>
+            <a:r>
+              <a:rPr lang="ko-KR" altLang="en-US" dirty="0" smtClean="0"/>
+              <a:t>객체 저장소</a:t>
+            </a:r>
+            <a:endParaRPr lang="ko-KR" altLang="en-US" dirty="0"/>
+          </a:p>
+        </p:txBody>
+      </p:sp>
+      <p:cxnSp>
+        <p:nvCxnSpPr>
+          <p:cNvPr id="51" name="직선 연결선 50"/>
+          <p:cNvCxnSpPr/>
+          <p:nvPr/>
+        </p:nvCxnSpPr>
+        <p:spPr>
+          <a:xfrm rot="5400000">
+            <a:off x="3287004" y="4101236"/>
+            <a:ext cx="4715702" cy="794"/>
+          </a:xfrm>
+          <a:prstGeom prst="line">
+            <a:avLst/>
+          </a:prstGeom>
+          <a:ln>
+            <a:solidFill>
+              <a:schemeClr val="tx1"/>
+            </a:solidFill>
+          </a:ln>
+        </p:spPr>
+        <p:style>
+          <a:lnRef idx="1">
+            <a:schemeClr val="accent1"/>
+          </a:lnRef>
+          <a:fillRef idx="0">
+            <a:schemeClr val="accent1"/>
+          </a:fillRef>
+          <a:effectRef idx="0">
+            <a:schemeClr val="accent1"/>
+          </a:effectRef>
+          <a:fontRef idx="minor">
+            <a:schemeClr val="tx1"/>
+          </a:fontRef>
+        </p:style>
+      </p:cxnSp>
+      <p:sp>
+        <p:nvSpPr>
+          <p:cNvPr id="70" name="타원 69"/>
+          <p:cNvSpPr/>
+          <p:nvPr/>
+        </p:nvSpPr>
+        <p:spPr>
+          <a:xfrm>
+            <a:off x="2908035" y="4900125"/>
+            <a:ext cx="285752" cy="285752"/>
+          </a:xfrm>
+          <a:prstGeom prst="ellipse">
+            <a:avLst/>
+          </a:prstGeom>
+          <a:solidFill>
+            <a:schemeClr val="accent2"/>
+          </a:solidFill>
+          <a:ln>
+            <a:noFill/>
+          </a:ln>
+        </p:spPr>
+        <p:style>
+          <a:lnRef idx="2">
+            <a:schemeClr val="accent1">
+              <a:shade val="50000"/>
+            </a:schemeClr>
+          </a:lnRef>
+          <a:fillRef idx="1">
+            <a:schemeClr val="accent1"/>
+          </a:fillRef>
+          <a:effectRef idx="0">
+            <a:schemeClr val="accent1"/>
+          </a:effectRef>
+          <a:fontRef idx="minor">
+            <a:schemeClr val="lt1"/>
+          </a:fontRef>
+        </p:style>
+        <p:txBody>
+          <a:bodyPr rtlCol="0" anchor="ctr"/>
+          <a:lstStyle/>
+          <a:p>
+            <a:pPr algn="ctr"/>
+            <a:r>
+              <a:rPr lang="en-US" altLang="ko-KR" sz="1200" b="1" dirty="0" smtClean="0"/>
+              <a:t>1</a:t>
+            </a:r>
+            <a:endParaRPr lang="ko-KR" altLang="en-US" sz="1200" b="1" dirty="0"/>
+          </a:p>
+        </p:txBody>
+      </p:sp>
+      <p:sp>
+        <p:nvSpPr>
+          <p:cNvPr id="71" name="타원 70"/>
+          <p:cNvSpPr/>
+          <p:nvPr/>
+        </p:nvSpPr>
+        <p:spPr>
+          <a:xfrm>
+            <a:off x="2946253" y="5879195"/>
+            <a:ext cx="285752" cy="285752"/>
+          </a:xfrm>
+          <a:prstGeom prst="ellipse">
+            <a:avLst/>
+          </a:prstGeom>
+          <a:solidFill>
+            <a:schemeClr val="accent2"/>
+          </a:solidFill>
+          <a:ln>
+            <a:noFill/>
+          </a:ln>
+        </p:spPr>
+        <p:style>
+          <a:lnRef idx="2">
+            <a:schemeClr val="accent1">
+              <a:shade val="50000"/>
+            </a:schemeClr>
+          </a:lnRef>
+          <a:fillRef idx="1">
+            <a:schemeClr val="accent1"/>
+          </a:fillRef>
+          <a:effectRef idx="0">
+            <a:schemeClr val="accent1"/>
+          </a:effectRef>
+          <a:fontRef idx="minor">
+            <a:schemeClr val="lt1"/>
+          </a:fontRef>
+        </p:style>
+        <p:txBody>
+          <a:bodyPr rtlCol="0" anchor="ctr"/>
+          <a:lstStyle/>
+          <a:p>
+            <a:pPr algn="ctr"/>
+            <a:r>
+              <a:rPr lang="en-US" altLang="ko-KR" sz="1200" b="1" dirty="0" smtClean="0"/>
+              <a:t>2</a:t>
+            </a:r>
+            <a:endParaRPr lang="ko-KR" altLang="en-US" sz="1200" b="1" dirty="0"/>
+          </a:p>
+        </p:txBody>
+      </p:sp>
+      <p:cxnSp>
+        <p:nvCxnSpPr>
+          <p:cNvPr id="56" name="직선 화살표 연결선 55"/>
+          <p:cNvCxnSpPr/>
+          <p:nvPr/>
+        </p:nvCxnSpPr>
+        <p:spPr>
+          <a:xfrm flipH="1">
+            <a:off x="1358292" y="2909622"/>
+            <a:ext cx="694826" cy="15404"/>
+          </a:xfrm>
+          <a:prstGeom prst="straightConnector1">
+            <a:avLst/>
+          </a:prstGeom>
+          <a:ln>
+            <a:tailEnd type="arrow"/>
+          </a:ln>
+        </p:spPr>
+        <p:style>
+          <a:lnRef idx="1">
+            <a:schemeClr val="accent1"/>
+          </a:lnRef>
+          <a:fillRef idx="0">
+            <a:schemeClr val="accent1"/>
+          </a:fillRef>
+          <a:effectRef idx="0">
+            <a:schemeClr val="accent1"/>
+          </a:effectRef>
+          <a:fontRef idx="minor">
+            <a:schemeClr val="tx1"/>
+          </a:fontRef>
+        </p:style>
+      </p:cxnSp>
+      <p:sp>
+        <p:nvSpPr>
+          <p:cNvPr id="61" name="TextBox 60"/>
+          <p:cNvSpPr txBox="1"/>
+          <p:nvPr/>
+        </p:nvSpPr>
+        <p:spPr>
+          <a:xfrm>
+            <a:off x="1329769" y="2968669"/>
+            <a:ext cx="534121" cy="338554"/>
+          </a:xfrm>
+          <a:prstGeom prst="rect">
+            <a:avLst/>
+          </a:prstGeom>
+          <a:noFill/>
+        </p:spPr>
+        <p:txBody>
+          <a:bodyPr wrap="none" rtlCol="0">
+            <a:spAutoFit/>
+          </a:bodyPr>
+          <a:lstStyle/>
+          <a:p>
+            <a:r>
+              <a:rPr lang="en-US" altLang="ko-KR" sz="1600" dirty="0" smtClean="0"/>
+              <a:t>poll</a:t>
+            </a:r>
+            <a:endParaRPr lang="ko-KR" altLang="en-US" sz="1600" dirty="0"/>
+          </a:p>
+        </p:txBody>
+      </p:sp>
+      <p:pic>
+        <p:nvPicPr>
+          <p:cNvPr id="7" name="Picture 2" descr="New Docker Hub Pricing"/>
+          <p:cNvPicPr>
+            <a:picLocks noChangeAspect="1" noChangeArrowheads="1"/>
+          </p:cNvPicPr>
+          <p:nvPr/>
+        </p:nvPicPr>
+        <p:blipFill>
+          <a:blip r:embed="rId7" cstate="print">
+            <a:extLst>
+              <a:ext uri="{28A0092B-C50C-407E-A947-70E740481C1C}">
+                <a14:useLocalDpi xmlns:a14="http://schemas.microsoft.com/office/drawing/2010/main" val="0"/>
+              </a:ext>
+            </a:extLst>
+          </a:blip>
+          <a:srcRect/>
+          <a:stretch>
+            <a:fillRect/>
+          </a:stretch>
+        </p:blipFill>
+        <p:spPr bwMode="auto">
+          <a:xfrm>
+            <a:off x="7471905" y="7496481"/>
+            <a:ext cx="1577138" cy="661796"/>
+          </a:xfrm>
+          <a:prstGeom prst="rect">
+            <a:avLst/>
+          </a:prstGeom>
+          <a:noFill/>
+          <a:extLst>
+            <a:ext uri="{909E8E84-426E-40DD-AFC4-6F175D3DCCD1}">
+              <a14:hiddenFill xmlns:a14="http://schemas.microsoft.com/office/drawing/2010/main">
+                <a:solidFill>
+                  <a:srgbClr val="FFFFFF"/>
+                </a:solidFill>
+              </a14:hiddenFill>
+            </a:ext>
+          </a:extLst>
+        </p:spPr>
+      </p:pic>
+      <p:pic>
+        <p:nvPicPr>
+          <p:cNvPr id="5" name="Picture 2" descr="NPM&quot; Icon - Download for free – Iconduck"/>
+          <p:cNvPicPr>
+            <a:picLocks noChangeAspect="1" noChangeArrowheads="1"/>
+          </p:cNvPicPr>
+          <p:nvPr/>
+        </p:nvPicPr>
+        <p:blipFill>
+          <a:blip r:embed="rId8" cstate="print">
+            <a:extLst>
+              <a:ext uri="{28A0092B-C50C-407E-A947-70E740481C1C}">
+                <a14:useLocalDpi xmlns:a14="http://schemas.microsoft.com/office/drawing/2010/main" val="0"/>
+              </a:ext>
+            </a:extLst>
+          </a:blip>
+          <a:srcRect/>
+          <a:stretch>
+            <a:fillRect/>
+          </a:stretch>
+        </p:blipFill>
+        <p:spPr bwMode="auto">
+          <a:xfrm>
+            <a:off x="2395064" y="4788263"/>
+            <a:ext cx="473736" cy="473736"/>
+          </a:xfrm>
+          <a:prstGeom prst="rect">
+            <a:avLst/>
+          </a:prstGeom>
+          <a:noFill/>
+          <a:extLst>
+            <a:ext uri="{909E8E84-426E-40DD-AFC4-6F175D3DCCD1}">
+              <a14:hiddenFill xmlns:a14="http://schemas.microsoft.com/office/drawing/2010/main">
+                <a:solidFill>
+                  <a:srgbClr val="FFFFFF"/>
+                </a:solidFill>
+              </a14:hiddenFill>
+            </a:ext>
+          </a:extLst>
+        </p:spPr>
+      </p:pic>
+      <p:sp>
+        <p:nvSpPr>
+          <p:cNvPr id="64" name="TextBox 63"/>
+          <p:cNvSpPr txBox="1"/>
+          <p:nvPr/>
+        </p:nvSpPr>
+        <p:spPr>
+          <a:xfrm>
+            <a:off x="3174218" y="4794816"/>
+            <a:ext cx="723275" cy="584775"/>
+          </a:xfrm>
+          <a:prstGeom prst="rect">
+            <a:avLst/>
+          </a:prstGeom>
+          <a:noFill/>
+        </p:spPr>
+        <p:txBody>
+          <a:bodyPr wrap="none" rtlCol="0">
+            <a:spAutoFit/>
+          </a:bodyPr>
+          <a:lstStyle/>
+          <a:p>
+            <a:r>
+              <a:rPr lang="en-US" altLang="ko-KR" sz="1600" dirty="0" smtClean="0"/>
+              <a:t>i</a:t>
+            </a:r>
+            <a:r>
+              <a:rPr lang="en-US" altLang="ko-KR" sz="1600" dirty="0" smtClean="0"/>
+              <a:t>nstall</a:t>
+            </a:r>
+            <a:br>
+              <a:rPr lang="en-US" altLang="ko-KR" sz="1600" dirty="0" smtClean="0"/>
+            </a:br>
+            <a:r>
+              <a:rPr lang="en-US" altLang="ko-KR" sz="1600" dirty="0" smtClean="0"/>
+              <a:t>build</a:t>
+            </a:r>
+            <a:endParaRPr lang="en-US" altLang="ko-KR" sz="1600" dirty="0" smtClean="0"/>
+          </a:p>
+        </p:txBody>
+      </p:sp>
+      <p:pic>
+        <p:nvPicPr>
+          <p:cNvPr id="10" name="Picture 4" descr="How to use the AWS CLI with almost any Storage – Storage Made Easy Blog"/>
+          <p:cNvPicPr>
+            <a:picLocks noChangeAspect="1" noChangeArrowheads="1"/>
+          </p:cNvPicPr>
+          <p:nvPr/>
+        </p:nvPicPr>
+        <p:blipFill>
+          <a:blip r:embed="rId9" cstate="print">
+            <a:extLst>
+              <a:ext uri="{28A0092B-C50C-407E-A947-70E740481C1C}">
+                <a14:useLocalDpi xmlns:a14="http://schemas.microsoft.com/office/drawing/2010/main" val="0"/>
+              </a:ext>
+            </a:extLst>
+          </a:blip>
+          <a:srcRect/>
+          <a:stretch>
+            <a:fillRect/>
+          </a:stretch>
+        </p:blipFill>
+        <p:spPr bwMode="auto">
+          <a:xfrm>
+            <a:off x="2357581" y="5512787"/>
+            <a:ext cx="643640" cy="590580"/>
+          </a:xfrm>
+          <a:prstGeom prst="rect">
+            <a:avLst/>
+          </a:prstGeom>
+          <a:noFill/>
+          <a:extLst>
+            <a:ext uri="{909E8E84-426E-40DD-AFC4-6F175D3DCCD1}">
+              <a14:hiddenFill xmlns:a14="http://schemas.microsoft.com/office/drawing/2010/main">
+                <a:solidFill>
+                  <a:srgbClr val="FFFFFF"/>
+                </a:solidFill>
+              </a14:hiddenFill>
+            </a:ext>
+          </a:extLst>
+        </p:spPr>
+      </p:pic>
+      <p:pic>
+        <p:nvPicPr>
+          <p:cNvPr id="67" name="Graphic 8" descr="Amazon Simple Storage Service (Amazon S3) service icon.">
+            <a:extLst>
+              <a:ext uri="{FF2B5EF4-FFF2-40B4-BE49-F238E27FC236}">
+                <a16:creationId xmlns:a16="http://schemas.microsoft.com/office/drawing/2014/main" id="{503A6B4D-DEE3-46F9-B451-2A59ED89EBA9}"/>
+              </a:ext>
+            </a:extLst>
+          </p:cNvPr>
+          <p:cNvPicPr>
+            <a:picLocks noChangeAspect="1" noChangeArrowheads="1"/>
+          </p:cNvPicPr>
+          <p:nvPr/>
+        </p:nvPicPr>
+        <p:blipFill>
+          <a:blip r:embed="rId10">
+            <a:extLst>
+              <a:ext uri="{96DAC541-7B7A-43D3-8B79-37D633B846F1}">
+                <asvg:svgBlip xmlns:asvg="http://schemas.microsoft.com/office/drawing/2016/SVG/main" xmlns="" r:embed="rId11"/>
+              </a:ext>
+            </a:extLst>
+          </a:blip>
+          <a:srcRect/>
+          <a:stretch/>
+        </p:blipFill>
+        <p:spPr bwMode="auto">
+          <a:xfrm>
+            <a:off x="4330576" y="2240215"/>
+            <a:ext cx="762000" cy="762000"/>
+          </a:xfrm>
+          <a:prstGeom prst="rect">
+            <a:avLst/>
+          </a:prstGeom>
+          <a:noFill/>
+          <a:ln>
+            <a:noFill/>
+          </a:ln>
+          <a:extLst>
+            <a:ext uri="{909E8E84-426E-40DD-AFC4-6F175D3DCCD1}">
+              <a14:hiddenFill xmlns:a14="http://schemas.microsoft.com/office/drawing/2010/main">
+                <a:solidFill>
+                  <a:srgbClr val="FFFFFF"/>
+                </a:solidFill>
+              </a14:hiddenFill>
+            </a:ext>
+            <a:ext uri="{91240B29-F687-4F45-9708-019B960494DF}">
+              <a14:hiddenLine xmlns:a14="http://schemas.microsoft.com/office/drawing/2010/main" w="9525">
+                <a:solidFill>
+                  <a:srgbClr val="000000"/>
+                </a:solidFill>
+                <a:miter lim="800000"/>
+                <a:headEnd/>
+                <a:tailEnd/>
+              </a14:hiddenLine>
+            </a:ext>
+          </a:extLst>
+        </p:spPr>
+      </p:pic>
+      <p:pic>
+        <p:nvPicPr>
+          <p:cNvPr id="68" name="Graphic 85" descr="Bucket with objects resource icon for the Amazon S3 service.">
+            <a:extLst>
+              <a:ext uri="{FF2B5EF4-FFF2-40B4-BE49-F238E27FC236}">
+                <a16:creationId xmlns:a16="http://schemas.microsoft.com/office/drawing/2014/main" id="{37FEDDCD-BC60-4760-8014-C58F1C4423DA}"/>
+              </a:ext>
+            </a:extLst>
+          </p:cNvPr>
+          <p:cNvPicPr>
+            <a:picLocks noChangeAspect="1"/>
+          </p:cNvPicPr>
+          <p:nvPr/>
+        </p:nvPicPr>
+        <p:blipFill>
+          <a:blip r:embed="rId12">
+            <a:extLst>
+              <a:ext uri="{96DAC541-7B7A-43D3-8B79-37D633B846F1}">
+                <asvg:svgBlip xmlns:asvg="http://schemas.microsoft.com/office/drawing/2016/SVG/main" xmlns="" r:embed="rId23"/>
+              </a:ext>
+            </a:extLst>
+          </a:blip>
+          <a:stretch>
+            <a:fillRect/>
+          </a:stretch>
+        </p:blipFill>
+        <p:spPr>
+          <a:xfrm>
+            <a:off x="4464290" y="3852548"/>
+            <a:ext cx="611147" cy="611147"/>
+          </a:xfrm>
+          <a:prstGeom prst="rect">
+            <a:avLst/>
+          </a:prstGeom>
+        </p:spPr>
+      </p:pic>
+      <p:pic>
+        <p:nvPicPr>
+          <p:cNvPr id="76" name="Graphic 10" descr="AWS Lambda service icon.">
+            <a:extLst>
+              <a:ext uri="{FF2B5EF4-FFF2-40B4-BE49-F238E27FC236}">
+                <a16:creationId xmlns:a16="http://schemas.microsoft.com/office/drawing/2014/main" id="{7249C1EC-5A69-3C4D-9DDF-0DB93BB70BC6}"/>
+              </a:ext>
+            </a:extLst>
+          </p:cNvPr>
+          <p:cNvPicPr>
+            <a:picLocks noChangeAspect="1" noChangeArrowheads="1"/>
+          </p:cNvPicPr>
+          <p:nvPr/>
+        </p:nvPicPr>
+        <p:blipFill>
+          <a:blip r:embed="rId24">
+            <a:extLst>
+              <a:ext uri="{96DAC541-7B7A-43D3-8B79-37D633B846F1}">
+                <asvg:svgBlip xmlns:asvg="http://schemas.microsoft.com/office/drawing/2016/SVG/main" xmlns="" r:embed="rId25"/>
+              </a:ext>
+            </a:extLst>
+          </a:blip>
+          <a:srcRect/>
+          <a:stretch/>
+        </p:blipFill>
+        <p:spPr bwMode="auto">
+          <a:xfrm>
+            <a:off x="6108294" y="2240215"/>
+            <a:ext cx="762000" cy="762000"/>
+          </a:xfrm>
+          <a:prstGeom prst="rect">
+            <a:avLst/>
+          </a:prstGeom>
+          <a:noFill/>
+          <a:ln>
+            <a:noFill/>
+          </a:ln>
+          <a:extLst>
+            <a:ext uri="{909E8E84-426E-40DD-AFC4-6F175D3DCCD1}">
+              <a14:hiddenFill xmlns:a14="http://schemas.microsoft.com/office/drawing/2010/main">
+                <a:solidFill>
+                  <a:srgbClr val="FFFFFF"/>
+                </a:solidFill>
+              </a14:hiddenFill>
+            </a:ext>
+            <a:ext uri="{91240B29-F687-4F45-9708-019B960494DF}">
+              <a14:hiddenLine xmlns:a14="http://schemas.microsoft.com/office/drawing/2010/main" w="9525">
+                <a:solidFill>
+                  <a:srgbClr val="000000"/>
+                </a:solidFill>
+                <a:miter lim="800000"/>
+                <a:headEnd/>
+                <a:tailEnd/>
+              </a14:hiddenLine>
+            </a:ext>
+          </a:extLst>
+        </p:spPr>
+      </p:pic>
+      <p:sp>
+        <p:nvSpPr>
+          <p:cNvPr id="77" name="TextBox 76"/>
+          <p:cNvSpPr txBox="1"/>
+          <p:nvPr/>
+        </p:nvSpPr>
+        <p:spPr>
+          <a:xfrm>
+            <a:off x="5829923" y="1736523"/>
+            <a:ext cx="1430200" cy="369332"/>
+          </a:xfrm>
+          <a:prstGeom prst="rect">
+            <a:avLst/>
+          </a:prstGeom>
+          <a:noFill/>
+        </p:spPr>
+        <p:txBody>
+          <a:bodyPr wrap="none" rtlCol="0">
+            <a:spAutoFit/>
+          </a:bodyPr>
+          <a:lstStyle/>
+          <a:p>
+            <a:r>
+              <a:rPr lang="ko-KR" altLang="en-US" dirty="0" smtClean="0"/>
+              <a:t>트리거</a:t>
+            </a:r>
+            <a:r>
+              <a:rPr lang="en-US" altLang="ko-KR" dirty="0" smtClean="0"/>
+              <a:t>/</a:t>
+            </a:r>
+            <a:r>
+              <a:rPr lang="ko-KR" altLang="en-US" dirty="0" smtClean="0"/>
+              <a:t>함수</a:t>
+            </a:r>
+            <a:endParaRPr lang="ko-KR" altLang="en-US" dirty="0"/>
+          </a:p>
+        </p:txBody>
+      </p:sp>
+      <p:sp>
+        <p:nvSpPr>
+          <p:cNvPr id="78" name="TextBox 77"/>
+          <p:cNvSpPr txBox="1"/>
+          <p:nvPr/>
+        </p:nvSpPr>
+        <p:spPr>
+          <a:xfrm>
+            <a:off x="4259925" y="3039903"/>
+            <a:ext cx="917130" cy="338554"/>
+          </a:xfrm>
+          <a:prstGeom prst="rect">
+            <a:avLst/>
+          </a:prstGeom>
+          <a:noFill/>
+        </p:spPr>
+        <p:txBody>
+          <a:bodyPr wrap="square" rtlCol="0">
+            <a:spAutoFit/>
+          </a:bodyPr>
+          <a:lstStyle/>
+          <a:p>
+            <a:r>
+              <a:rPr lang="en-US" altLang="ko-KR" sz="1600" dirty="0" smtClean="0"/>
+              <a:t>AWS S3</a:t>
+            </a:r>
+            <a:endParaRPr lang="en-US" altLang="ko-KR" sz="1600" dirty="0" smtClean="0"/>
+          </a:p>
+        </p:txBody>
+      </p:sp>
+      <p:sp>
+        <p:nvSpPr>
+          <p:cNvPr id="79" name="TextBox 78"/>
+          <p:cNvSpPr txBox="1"/>
+          <p:nvPr/>
+        </p:nvSpPr>
+        <p:spPr>
+          <a:xfrm>
+            <a:off x="4336218" y="4546401"/>
+            <a:ext cx="917130" cy="338554"/>
+          </a:xfrm>
+          <a:prstGeom prst="rect">
+            <a:avLst/>
+          </a:prstGeom>
+          <a:noFill/>
+        </p:spPr>
+        <p:txBody>
+          <a:bodyPr wrap="square" rtlCol="0">
+            <a:spAutoFit/>
+          </a:bodyPr>
+          <a:lstStyle/>
+          <a:p>
+            <a:r>
+              <a:rPr lang="en-US" altLang="ko-KR" sz="1600" dirty="0" smtClean="0"/>
+              <a:t>Bucket</a:t>
+            </a:r>
+            <a:endParaRPr lang="en-US" altLang="ko-KR" sz="1600" dirty="0" smtClean="0"/>
+          </a:p>
+        </p:txBody>
+      </p:sp>
+      <p:pic>
+        <p:nvPicPr>
+          <p:cNvPr id="80" name="Graphic 13" descr="Lambda function resource icon for the AWS Lambda service icon.">
+            <a:extLst>
+              <a:ext uri="{FF2B5EF4-FFF2-40B4-BE49-F238E27FC236}">
+                <a16:creationId xmlns:a16="http://schemas.microsoft.com/office/drawing/2014/main" id="{E2B9011C-C7EB-AD4B-85D7-DC979571C750}"/>
+              </a:ext>
+            </a:extLst>
+          </p:cNvPr>
+          <p:cNvPicPr>
+            <a:picLocks noChangeAspect="1" noChangeArrowheads="1"/>
+          </p:cNvPicPr>
+          <p:nvPr/>
+        </p:nvPicPr>
+        <p:blipFill>
+          <a:blip r:embed="rId26">
+            <a:extLst>
+              <a:ext uri="{96DAC541-7B7A-43D3-8B79-37D633B846F1}">
+                <asvg:svgBlip xmlns:asvg="http://schemas.microsoft.com/office/drawing/2016/SVG/main" xmlns="" r:embed="rId27"/>
+              </a:ext>
+            </a:extLst>
+          </a:blip>
+          <a:srcRect/>
+          <a:stretch/>
+        </p:blipFill>
+        <p:spPr bwMode="auto">
+          <a:xfrm>
+            <a:off x="6258470" y="3929521"/>
+            <a:ext cx="457200" cy="457200"/>
+          </a:xfrm>
+          <a:prstGeom prst="rect">
+            <a:avLst/>
+          </a:prstGeom>
+          <a:noFill/>
+          <a:ln>
+            <a:noFill/>
+          </a:ln>
+          <a:extLst>
+            <a:ext uri="{909E8E84-426E-40DD-AFC4-6F175D3DCCD1}">
+              <a14:hiddenFill xmlns:a14="http://schemas.microsoft.com/office/drawing/2010/main">
+                <a:solidFill>
+                  <a:srgbClr val="FFFFFF"/>
+                </a:solidFill>
+              </a14:hiddenFill>
+            </a:ext>
+            <a:ext uri="{91240B29-F687-4F45-9708-019B960494DF}">
+              <a14:hiddenLine xmlns:a14="http://schemas.microsoft.com/office/drawing/2010/main" w="9525">
+                <a:solidFill>
+                  <a:srgbClr val="000000"/>
+                </a:solidFill>
+                <a:miter lim="800000"/>
+                <a:headEnd/>
+                <a:tailEnd/>
+              </a14:hiddenLine>
+            </a:ext>
+          </a:extLst>
+        </p:spPr>
+      </p:pic>
+      <p:pic>
+        <p:nvPicPr>
+          <p:cNvPr id="81" name="Graphic 19" descr="Amazon CloudFront service icon.">
+            <a:extLst>
+              <a:ext uri="{FF2B5EF4-FFF2-40B4-BE49-F238E27FC236}">
+                <a16:creationId xmlns:a16="http://schemas.microsoft.com/office/drawing/2014/main" id="{3F641843-3240-4E7A-A6BF-5E7369657F2B}"/>
+              </a:ext>
+            </a:extLst>
+          </p:cNvPr>
+          <p:cNvPicPr>
+            <a:picLocks noChangeAspect="1" noChangeArrowheads="1"/>
+          </p:cNvPicPr>
+          <p:nvPr/>
+        </p:nvPicPr>
+        <p:blipFill>
+          <a:blip r:embed="rId28">
+            <a:extLst>
+              <a:ext uri="{96DAC541-7B7A-43D3-8B79-37D633B846F1}">
+                <asvg:svgBlip xmlns:asvg="http://schemas.microsoft.com/office/drawing/2016/SVG/main" xmlns="" r:embed="rId29"/>
+              </a:ext>
+            </a:extLst>
+          </a:blip>
+          <a:srcRect/>
+          <a:stretch/>
+        </p:blipFill>
+        <p:spPr bwMode="auto">
+          <a:xfrm>
+            <a:off x="7807364" y="2226696"/>
+            <a:ext cx="762000" cy="762000"/>
+          </a:xfrm>
+          <a:prstGeom prst="rect">
+            <a:avLst/>
+          </a:prstGeom>
+          <a:noFill/>
+          <a:ln>
+            <a:noFill/>
+          </a:ln>
+          <a:extLst>
+            <a:ext uri="{909E8E84-426E-40DD-AFC4-6F175D3DCCD1}">
+              <a14:hiddenFill xmlns:a14="http://schemas.microsoft.com/office/drawing/2010/main">
+                <a:solidFill>
+                  <a:srgbClr val="FFFFFF"/>
+                </a:solidFill>
+              </a14:hiddenFill>
+            </a:ext>
+            <a:ext uri="{91240B29-F687-4F45-9708-019B960494DF}">
+              <a14:hiddenLine xmlns:a14="http://schemas.microsoft.com/office/drawing/2010/main" w="9525">
+                <a:solidFill>
+                  <a:srgbClr val="000000"/>
+                </a:solidFill>
+                <a:miter lim="800000"/>
+                <a:headEnd/>
+                <a:tailEnd/>
+              </a14:hiddenLine>
+            </a:ext>
+          </a:extLst>
+        </p:spPr>
+      </p:pic>
+      <p:pic>
+        <p:nvPicPr>
+          <p:cNvPr id="82" name="Graphic 68" descr="Download distribution resource icon for the Amazon CloudFront service.">
+            <a:extLst>
+              <a:ext uri="{FF2B5EF4-FFF2-40B4-BE49-F238E27FC236}">
+                <a16:creationId xmlns:a16="http://schemas.microsoft.com/office/drawing/2014/main" id="{58384B18-56A3-4F88-8E37-335F62C71E17}"/>
+              </a:ext>
+            </a:extLst>
+          </p:cNvPr>
+          <p:cNvPicPr>
+            <a:picLocks noChangeAspect="1"/>
+          </p:cNvPicPr>
+          <p:nvPr/>
+        </p:nvPicPr>
+        <p:blipFill>
+          <a:blip r:embed="rId30">
+            <a:extLst>
+              <a:ext uri="{96DAC541-7B7A-43D3-8B79-37D633B846F1}">
+                <asvg:svgBlip xmlns:asvg="http://schemas.microsoft.com/office/drawing/2016/SVG/main" xmlns="" r:embed="rId31"/>
+              </a:ext>
+            </a:extLst>
+          </a:blip>
+          <a:stretch>
+            <a:fillRect/>
+          </a:stretch>
+        </p:blipFill>
+        <p:spPr>
+          <a:xfrm>
+            <a:off x="8013210" y="5365617"/>
+            <a:ext cx="457200" cy="457200"/>
+          </a:xfrm>
+          <a:prstGeom prst="rect">
+            <a:avLst/>
+          </a:prstGeom>
+        </p:spPr>
+      </p:pic>
+      <p:cxnSp>
+        <p:nvCxnSpPr>
+          <p:cNvPr id="83" name="직선 화살표 연결선 82"/>
+          <p:cNvCxnSpPr/>
+          <p:nvPr/>
+        </p:nvCxnSpPr>
+        <p:spPr>
+          <a:xfrm>
+            <a:off x="5270469" y="4178790"/>
+            <a:ext cx="775568" cy="0"/>
+          </a:xfrm>
+          <a:prstGeom prst="straightConnector1">
+            <a:avLst/>
+          </a:prstGeom>
+          <a:ln>
+            <a:tailEnd type="arrow"/>
+          </a:ln>
+        </p:spPr>
+        <p:style>
+          <a:lnRef idx="1">
+            <a:schemeClr val="accent1"/>
+          </a:lnRef>
+          <a:fillRef idx="0">
+            <a:schemeClr val="accent1"/>
+          </a:fillRef>
+          <a:effectRef idx="0">
+            <a:schemeClr val="accent1"/>
+          </a:effectRef>
+          <a:fontRef idx="minor">
+            <a:schemeClr val="tx1"/>
+          </a:fontRef>
+        </p:style>
+      </p:cxnSp>
+      <p:sp>
+        <p:nvSpPr>
+          <p:cNvPr id="84" name="TextBox 83"/>
+          <p:cNvSpPr txBox="1"/>
+          <p:nvPr/>
+        </p:nvSpPr>
+        <p:spPr>
+          <a:xfrm>
+            <a:off x="5415156" y="3813835"/>
+            <a:ext cx="693138" cy="338554"/>
+          </a:xfrm>
+          <a:prstGeom prst="rect">
+            <a:avLst/>
+          </a:prstGeom>
+          <a:noFill/>
+        </p:spPr>
+        <p:txBody>
+          <a:bodyPr wrap="none" rtlCol="0">
+            <a:spAutoFit/>
+          </a:bodyPr>
+          <a:lstStyle/>
+          <a:p>
+            <a:r>
+              <a:rPr lang="en-US" altLang="ko-KR" sz="1600" dirty="0" smtClean="0"/>
+              <a:t>event</a:t>
+            </a:r>
+            <a:endParaRPr lang="en-US" altLang="ko-KR" sz="1600" dirty="0" smtClean="0"/>
+          </a:p>
+        </p:txBody>
+      </p:sp>
+      <p:sp>
+        <p:nvSpPr>
+          <p:cNvPr id="85" name="타원 84"/>
+          <p:cNvSpPr/>
+          <p:nvPr/>
+        </p:nvSpPr>
+        <p:spPr>
+          <a:xfrm>
+            <a:off x="5148836" y="3840236"/>
+            <a:ext cx="285752" cy="285752"/>
+          </a:xfrm>
+          <a:prstGeom prst="ellipse">
+            <a:avLst/>
+          </a:prstGeom>
+          <a:solidFill>
+            <a:schemeClr val="accent2"/>
+          </a:solidFill>
+          <a:ln>
+            <a:noFill/>
+          </a:ln>
+        </p:spPr>
+        <p:style>
+          <a:lnRef idx="2">
+            <a:schemeClr val="accent1">
+              <a:shade val="50000"/>
+            </a:schemeClr>
+          </a:lnRef>
+          <a:fillRef idx="1">
+            <a:schemeClr val="accent1"/>
+          </a:fillRef>
+          <a:effectRef idx="0">
+            <a:schemeClr val="accent1"/>
+          </a:effectRef>
+          <a:fontRef idx="minor">
+            <a:schemeClr val="lt1"/>
+          </a:fontRef>
+        </p:style>
+        <p:txBody>
+          <a:bodyPr rtlCol="0" anchor="ctr"/>
+          <a:lstStyle/>
+          <a:p>
+            <a:pPr algn="ctr"/>
+            <a:r>
+              <a:rPr lang="en-US" altLang="ko-KR" sz="1200" b="1" dirty="0"/>
+              <a:t>3</a:t>
+            </a:r>
+            <a:endParaRPr lang="ko-KR" altLang="en-US" sz="1200" b="1" dirty="0"/>
+          </a:p>
+        </p:txBody>
+      </p:sp>
+      <p:cxnSp>
+        <p:nvCxnSpPr>
+          <p:cNvPr id="86" name="직선 연결선 85"/>
+          <p:cNvCxnSpPr/>
+          <p:nvPr/>
+        </p:nvCxnSpPr>
+        <p:spPr>
+          <a:xfrm rot="5400000">
+            <a:off x="5113657" y="4285902"/>
+            <a:ext cx="4715702" cy="794"/>
+          </a:xfrm>
+          <a:prstGeom prst="line">
+            <a:avLst/>
+          </a:prstGeom>
+          <a:ln>
+            <a:solidFill>
+              <a:schemeClr val="tx1"/>
+            </a:solidFill>
+          </a:ln>
+        </p:spPr>
+        <p:style>
+          <a:lnRef idx="1">
+            <a:schemeClr val="accent1"/>
+          </a:lnRef>
+          <a:fillRef idx="0">
+            <a:schemeClr val="accent1"/>
+          </a:fillRef>
+          <a:effectRef idx="0">
+            <a:schemeClr val="accent1"/>
+          </a:effectRef>
+          <a:fontRef idx="minor">
+            <a:schemeClr val="tx1"/>
+          </a:fontRef>
+        </p:style>
+      </p:cxnSp>
+      <p:sp>
+        <p:nvSpPr>
+          <p:cNvPr id="87" name="TextBox 86"/>
+          <p:cNvSpPr txBox="1"/>
+          <p:nvPr/>
+        </p:nvSpPr>
+        <p:spPr>
+          <a:xfrm>
+            <a:off x="7635449" y="5840858"/>
+            <a:ext cx="1279257" cy="338554"/>
+          </a:xfrm>
+          <a:prstGeom prst="rect">
+            <a:avLst/>
+          </a:prstGeom>
+          <a:noFill/>
+        </p:spPr>
+        <p:txBody>
+          <a:bodyPr wrap="square" rtlCol="0">
+            <a:spAutoFit/>
+          </a:bodyPr>
+          <a:lstStyle/>
+          <a:p>
+            <a:r>
+              <a:rPr lang="en-US" altLang="ko-KR" sz="1600" dirty="0" smtClean="0"/>
+              <a:t>Distribution</a:t>
+            </a:r>
+            <a:endParaRPr lang="en-US" altLang="ko-KR" sz="1600" dirty="0" smtClean="0"/>
+          </a:p>
+        </p:txBody>
+      </p:sp>
+      <p:cxnSp>
+        <p:nvCxnSpPr>
+          <p:cNvPr id="24" name="꺾인 연결선 23"/>
+          <p:cNvCxnSpPr/>
+          <p:nvPr/>
+        </p:nvCxnSpPr>
+        <p:spPr>
+          <a:xfrm flipV="1">
+            <a:off x="3131741" y="4952099"/>
+            <a:ext cx="1447785" cy="765695"/>
+          </a:xfrm>
+          <a:prstGeom prst="bentConnector3">
+            <a:avLst>
+              <a:gd name="adj1" fmla="val 99799"/>
+            </a:avLst>
+          </a:prstGeom>
+          <a:ln>
+            <a:tailEnd type="triangle"/>
+          </a:ln>
+        </p:spPr>
+        <p:style>
+          <a:lnRef idx="1">
+            <a:schemeClr val="accent1"/>
+          </a:lnRef>
+          <a:fillRef idx="0">
+            <a:schemeClr val="accent1"/>
+          </a:fillRef>
+          <a:effectRef idx="0">
+            <a:schemeClr val="accent1"/>
+          </a:effectRef>
+          <a:fontRef idx="minor">
+            <a:schemeClr val="tx1"/>
+          </a:fontRef>
+        </p:style>
+      </p:cxnSp>
+      <p:cxnSp>
+        <p:nvCxnSpPr>
+          <p:cNvPr id="88" name="꺾인 연결선 87"/>
+          <p:cNvCxnSpPr/>
+          <p:nvPr/>
+        </p:nvCxnSpPr>
+        <p:spPr>
+          <a:xfrm>
+            <a:off x="6986242" y="4150888"/>
+            <a:ext cx="1223929" cy="977956"/>
+          </a:xfrm>
+          <a:prstGeom prst="bentConnector3">
+            <a:avLst>
+              <a:gd name="adj1" fmla="val 99567"/>
+            </a:avLst>
+          </a:prstGeom>
+          <a:ln>
+            <a:tailEnd type="triangle"/>
+          </a:ln>
+        </p:spPr>
+        <p:style>
+          <a:lnRef idx="1">
+            <a:schemeClr val="accent1"/>
+          </a:lnRef>
+          <a:fillRef idx="0">
+            <a:schemeClr val="accent1"/>
+          </a:fillRef>
+          <a:effectRef idx="0">
+            <a:schemeClr val="accent1"/>
+          </a:effectRef>
+          <a:fontRef idx="minor">
+            <a:schemeClr val="tx1"/>
+          </a:fontRef>
+        </p:style>
+      </p:cxnSp>
+      <p:cxnSp>
+        <p:nvCxnSpPr>
+          <p:cNvPr id="94" name="꺾인 연결선 93"/>
+          <p:cNvCxnSpPr/>
+          <p:nvPr/>
+        </p:nvCxnSpPr>
+        <p:spPr>
+          <a:xfrm>
+            <a:off x="4872984" y="5047248"/>
+            <a:ext cx="2922420" cy="622844"/>
+          </a:xfrm>
+          <a:prstGeom prst="bentConnector3">
+            <a:avLst>
+              <a:gd name="adj1" fmla="val 659"/>
+            </a:avLst>
+          </a:prstGeom>
+          <a:ln>
+            <a:tailEnd type="triangle"/>
+          </a:ln>
+        </p:spPr>
+        <p:style>
+          <a:lnRef idx="1">
+            <a:schemeClr val="accent1"/>
+          </a:lnRef>
+          <a:fillRef idx="0">
+            <a:schemeClr val="accent1"/>
+          </a:fillRef>
+          <a:effectRef idx="0">
+            <a:schemeClr val="accent1"/>
+          </a:effectRef>
+          <a:fontRef idx="minor">
+            <a:schemeClr val="tx1"/>
+          </a:fontRef>
+        </p:style>
+      </p:cxnSp>
+      <p:sp>
+        <p:nvSpPr>
+          <p:cNvPr id="104" name="TextBox 103"/>
+          <p:cNvSpPr txBox="1"/>
+          <p:nvPr/>
+        </p:nvSpPr>
+        <p:spPr>
+          <a:xfrm>
+            <a:off x="5075437" y="5754394"/>
+            <a:ext cx="1062983" cy="338554"/>
+          </a:xfrm>
+          <a:prstGeom prst="rect">
+            <a:avLst/>
+          </a:prstGeom>
+          <a:noFill/>
+        </p:spPr>
+        <p:txBody>
+          <a:bodyPr wrap="none" rtlCol="0">
+            <a:spAutoFit/>
+          </a:bodyPr>
+          <a:lstStyle/>
+          <a:p>
+            <a:r>
+              <a:rPr lang="en-US" altLang="ko-KR" sz="1600" dirty="0" smtClean="0"/>
+              <a:t>distribute</a:t>
+            </a:r>
+            <a:endParaRPr lang="en-US" altLang="ko-KR" sz="1600" dirty="0" smtClean="0"/>
+          </a:p>
+        </p:txBody>
+      </p:sp>
+      <p:sp>
+        <p:nvSpPr>
+          <p:cNvPr id="105" name="타원 104"/>
+          <p:cNvSpPr/>
+          <p:nvPr/>
+        </p:nvSpPr>
+        <p:spPr>
+          <a:xfrm>
+            <a:off x="4855283" y="5807196"/>
+            <a:ext cx="285752" cy="285752"/>
+          </a:xfrm>
+          <a:prstGeom prst="ellipse">
+            <a:avLst/>
+          </a:prstGeom>
+          <a:solidFill>
+            <a:schemeClr val="accent2"/>
+          </a:solidFill>
+          <a:ln>
+            <a:noFill/>
+          </a:ln>
+        </p:spPr>
+        <p:style>
+          <a:lnRef idx="2">
+            <a:schemeClr val="accent1">
+              <a:shade val="50000"/>
+            </a:schemeClr>
+          </a:lnRef>
+          <a:fillRef idx="1">
+            <a:schemeClr val="accent1"/>
+          </a:fillRef>
+          <a:effectRef idx="0">
+            <a:schemeClr val="accent1"/>
+          </a:effectRef>
+          <a:fontRef idx="minor">
+            <a:schemeClr val="lt1"/>
+          </a:fontRef>
+        </p:style>
+        <p:txBody>
+          <a:bodyPr rtlCol="0" anchor="ctr"/>
+          <a:lstStyle/>
+          <a:p>
+            <a:pPr algn="ctr"/>
+            <a:r>
+              <a:rPr lang="en-US" altLang="ko-KR" sz="1200" b="1" dirty="0"/>
+              <a:t>5</a:t>
+            </a:r>
+            <a:endParaRPr lang="ko-KR" altLang="en-US" sz="1200" b="1" dirty="0"/>
+          </a:p>
+        </p:txBody>
+      </p:sp>
+      <p:sp>
+        <p:nvSpPr>
+          <p:cNvPr id="106" name="TextBox 105"/>
+          <p:cNvSpPr txBox="1"/>
+          <p:nvPr/>
+        </p:nvSpPr>
+        <p:spPr>
+          <a:xfrm>
+            <a:off x="7798431" y="1736523"/>
+            <a:ext cx="671979" cy="369332"/>
+          </a:xfrm>
+          <a:prstGeom prst="rect">
+            <a:avLst/>
+          </a:prstGeom>
+          <a:noFill/>
+        </p:spPr>
+        <p:txBody>
+          <a:bodyPr wrap="none" rtlCol="0">
+            <a:spAutoFit/>
+          </a:bodyPr>
+          <a:lstStyle/>
+          <a:p>
+            <a:r>
+              <a:rPr lang="en-US" altLang="ko-KR" dirty="0" smtClean="0"/>
+              <a:t>CDN</a:t>
+            </a:r>
+            <a:endParaRPr lang="ko-KR" altLang="en-US" dirty="0"/>
+          </a:p>
+        </p:txBody>
+      </p:sp>
+      <p:sp>
+        <p:nvSpPr>
+          <p:cNvPr id="107" name="TextBox 106"/>
+          <p:cNvSpPr txBox="1"/>
+          <p:nvPr/>
+        </p:nvSpPr>
+        <p:spPr>
+          <a:xfrm>
+            <a:off x="6053386" y="3048581"/>
+            <a:ext cx="917130" cy="338554"/>
+          </a:xfrm>
+          <a:prstGeom prst="rect">
+            <a:avLst/>
+          </a:prstGeom>
+          <a:noFill/>
+        </p:spPr>
+        <p:txBody>
+          <a:bodyPr wrap="square" rtlCol="0">
+            <a:spAutoFit/>
+          </a:bodyPr>
+          <a:lstStyle/>
+          <a:p>
+            <a:r>
+              <a:rPr lang="en-US" altLang="ko-KR" sz="1600" dirty="0" smtClean="0"/>
+              <a:t>Lambda</a:t>
+            </a:r>
+            <a:endParaRPr lang="en-US" altLang="ko-KR" sz="1600" dirty="0" smtClean="0"/>
+          </a:p>
+        </p:txBody>
+      </p:sp>
+      <p:sp>
+        <p:nvSpPr>
+          <p:cNvPr id="108" name="TextBox 107"/>
+          <p:cNvSpPr txBox="1"/>
+          <p:nvPr/>
+        </p:nvSpPr>
+        <p:spPr>
+          <a:xfrm>
+            <a:off x="7644039" y="3056465"/>
+            <a:ext cx="1183055" cy="338554"/>
+          </a:xfrm>
+          <a:prstGeom prst="rect">
+            <a:avLst/>
+          </a:prstGeom>
+          <a:noFill/>
+        </p:spPr>
+        <p:txBody>
+          <a:bodyPr wrap="square" rtlCol="0">
+            <a:spAutoFit/>
+          </a:bodyPr>
+          <a:lstStyle/>
+          <a:p>
+            <a:r>
+              <a:rPr lang="en-US" altLang="ko-KR" sz="1600" dirty="0" err="1" smtClean="0"/>
+              <a:t>Cloudfront</a:t>
+            </a:r>
+            <a:endParaRPr lang="en-US" altLang="ko-KR" sz="1600" dirty="0" smtClean="0"/>
+          </a:p>
+        </p:txBody>
+      </p:sp>
+      <p:sp>
+        <p:nvSpPr>
+          <p:cNvPr id="111" name="타원 110"/>
+          <p:cNvSpPr/>
+          <p:nvPr/>
+        </p:nvSpPr>
+        <p:spPr>
+          <a:xfrm>
+            <a:off x="6998682" y="3778832"/>
+            <a:ext cx="285752" cy="285752"/>
+          </a:xfrm>
+          <a:prstGeom prst="ellipse">
+            <a:avLst/>
+          </a:prstGeom>
+          <a:solidFill>
+            <a:schemeClr val="accent2"/>
+          </a:solidFill>
+          <a:ln>
+            <a:noFill/>
+          </a:ln>
+        </p:spPr>
+        <p:style>
+          <a:lnRef idx="2">
+            <a:schemeClr val="accent1">
+              <a:shade val="50000"/>
+            </a:schemeClr>
+          </a:lnRef>
+          <a:fillRef idx="1">
+            <a:schemeClr val="accent1"/>
+          </a:fillRef>
+          <a:effectRef idx="0">
+            <a:schemeClr val="accent1"/>
+          </a:effectRef>
+          <a:fontRef idx="minor">
+            <a:schemeClr val="lt1"/>
+          </a:fontRef>
+        </p:style>
+        <p:txBody>
+          <a:bodyPr rtlCol="0" anchor="ctr"/>
+          <a:lstStyle/>
+          <a:p>
+            <a:pPr algn="ctr"/>
+            <a:r>
+              <a:rPr lang="en-US" altLang="ko-KR" sz="1200" b="1" dirty="0" smtClean="0"/>
+              <a:t>4</a:t>
+            </a:r>
+            <a:endParaRPr lang="ko-KR" altLang="en-US" sz="1200" b="1" dirty="0"/>
+          </a:p>
+        </p:txBody>
+      </p:sp>
+      <p:sp>
+        <p:nvSpPr>
+          <p:cNvPr id="112" name="TextBox 111"/>
+          <p:cNvSpPr txBox="1"/>
+          <p:nvPr/>
+        </p:nvSpPr>
+        <p:spPr>
+          <a:xfrm>
+            <a:off x="7303375" y="3716513"/>
+            <a:ext cx="1254639" cy="338554"/>
+          </a:xfrm>
+          <a:prstGeom prst="rect">
+            <a:avLst/>
+          </a:prstGeom>
+          <a:noFill/>
+        </p:spPr>
+        <p:txBody>
+          <a:bodyPr wrap="none" rtlCol="0">
+            <a:spAutoFit/>
+          </a:bodyPr>
+          <a:lstStyle/>
+          <a:p>
+            <a:r>
+              <a:rPr lang="en-US" altLang="ko-KR" sz="1600" dirty="0" smtClean="0"/>
+              <a:t>invalidation</a:t>
+            </a:r>
+            <a:endParaRPr lang="en-US" altLang="ko-KR" sz="1600" dirty="0" smtClean="0"/>
+          </a:p>
+        </p:txBody>
+      </p:sp>
+    </p:spTree>
+    <p:extLst>
+      <p:ext uri="{BB962C8B-B14F-4D97-AF65-F5344CB8AC3E}">
+        <p14:creationId xmlns:p14="http://schemas.microsoft.com/office/powerpoint/2010/main" val="1742909112"/>
+      </p:ext>
+    </p:extLst>
   </p:cSld>
   <p:clrMapOvr>
     <a:masterClrMapping/>

--- a/2. 팀프로젝트 배포/2.3.CI_CD/젠킨스 CI_CD.pptx
+++ b/2. 팀프로젝트 배포/2.3.CI_CD/젠킨스 CI_CD.pptx
@@ -210,7 +210,7 @@
           <a:p>
             <a:fld id="{7587E804-7C0D-4CA7-93FE-EED6A06E6E62}" type="datetimeFigureOut">
               <a:rPr lang="ko-KR" altLang="en-US" smtClean="0"/>
-              <a:t>2023-11-28</a:t>
+              <a:t>2023-12-04</a:t>
             </a:fld>
             <a:endParaRPr lang="ko-KR" altLang="en-US"/>
           </a:p>
@@ -828,7 +828,7 @@
             <a:fld id="{2507A560-5431-4D67-A70E-F61FB3F9DA0A}" type="datetimeFigureOut">
               <a:rPr lang="ko-KR" altLang="en-US" smtClean="0"/>
               <a:pPr/>
-              <a:t>2023-11-28</a:t>
+              <a:t>2023-12-04</a:t>
             </a:fld>
             <a:endParaRPr lang="ko-KR" altLang="en-US"/>
           </a:p>
@@ -995,7 +995,7 @@
             <a:fld id="{2507A560-5431-4D67-A70E-F61FB3F9DA0A}" type="datetimeFigureOut">
               <a:rPr lang="ko-KR" altLang="en-US" smtClean="0"/>
               <a:pPr/>
-              <a:t>2023-11-28</a:t>
+              <a:t>2023-12-04</a:t>
             </a:fld>
             <a:endParaRPr lang="ko-KR" altLang="en-US"/>
           </a:p>
@@ -1172,7 +1172,7 @@
             <a:fld id="{2507A560-5431-4D67-A70E-F61FB3F9DA0A}" type="datetimeFigureOut">
               <a:rPr lang="ko-KR" altLang="en-US" smtClean="0"/>
               <a:pPr/>
-              <a:t>2023-11-28</a:t>
+              <a:t>2023-12-04</a:t>
             </a:fld>
             <a:endParaRPr lang="ko-KR" altLang="en-US"/>
           </a:p>
@@ -1339,7 +1339,7 @@
             <a:fld id="{2507A560-5431-4D67-A70E-F61FB3F9DA0A}" type="datetimeFigureOut">
               <a:rPr lang="ko-KR" altLang="en-US" smtClean="0"/>
               <a:pPr/>
-              <a:t>2023-11-28</a:t>
+              <a:t>2023-12-04</a:t>
             </a:fld>
             <a:endParaRPr lang="ko-KR" altLang="en-US"/>
           </a:p>
@@ -1582,7 +1582,7 @@
             <a:fld id="{2507A560-5431-4D67-A70E-F61FB3F9DA0A}" type="datetimeFigureOut">
               <a:rPr lang="ko-KR" altLang="en-US" smtClean="0"/>
               <a:pPr/>
-              <a:t>2023-11-28</a:t>
+              <a:t>2023-12-04</a:t>
             </a:fld>
             <a:endParaRPr lang="ko-KR" altLang="en-US"/>
           </a:p>
@@ -1867,7 +1867,7 @@
             <a:fld id="{2507A560-5431-4D67-A70E-F61FB3F9DA0A}" type="datetimeFigureOut">
               <a:rPr lang="ko-KR" altLang="en-US" smtClean="0"/>
               <a:pPr/>
-              <a:t>2023-11-28</a:t>
+              <a:t>2023-12-04</a:t>
             </a:fld>
             <a:endParaRPr lang="ko-KR" altLang="en-US"/>
           </a:p>
@@ -2286,7 +2286,7 @@
             <a:fld id="{2507A560-5431-4D67-A70E-F61FB3F9DA0A}" type="datetimeFigureOut">
               <a:rPr lang="ko-KR" altLang="en-US" smtClean="0"/>
               <a:pPr/>
-              <a:t>2023-11-28</a:t>
+              <a:t>2023-12-04</a:t>
             </a:fld>
             <a:endParaRPr lang="ko-KR" altLang="en-US"/>
           </a:p>
@@ -2401,7 +2401,7 @@
             <a:fld id="{2507A560-5431-4D67-A70E-F61FB3F9DA0A}" type="datetimeFigureOut">
               <a:rPr lang="ko-KR" altLang="en-US" smtClean="0"/>
               <a:pPr/>
-              <a:t>2023-11-28</a:t>
+              <a:t>2023-12-04</a:t>
             </a:fld>
             <a:endParaRPr lang="ko-KR" altLang="en-US"/>
           </a:p>
@@ -2493,7 +2493,7 @@
             <a:fld id="{2507A560-5431-4D67-A70E-F61FB3F9DA0A}" type="datetimeFigureOut">
               <a:rPr lang="ko-KR" altLang="en-US" smtClean="0"/>
               <a:pPr/>
-              <a:t>2023-11-28</a:t>
+              <a:t>2023-12-04</a:t>
             </a:fld>
             <a:endParaRPr lang="ko-KR" altLang="en-US"/>
           </a:p>
@@ -2767,7 +2767,7 @@
             <a:fld id="{2507A560-5431-4D67-A70E-F61FB3F9DA0A}" type="datetimeFigureOut">
               <a:rPr lang="ko-KR" altLang="en-US" smtClean="0"/>
               <a:pPr/>
-              <a:t>2023-11-28</a:t>
+              <a:t>2023-12-04</a:t>
             </a:fld>
             <a:endParaRPr lang="ko-KR" altLang="en-US"/>
           </a:p>
@@ -3017,7 +3017,7 @@
             <a:fld id="{2507A560-5431-4D67-A70E-F61FB3F9DA0A}" type="datetimeFigureOut">
               <a:rPr lang="ko-KR" altLang="en-US" smtClean="0"/>
               <a:pPr/>
-              <a:t>2023-11-28</a:t>
+              <a:t>2023-12-04</a:t>
             </a:fld>
             <a:endParaRPr lang="ko-KR" altLang="en-US"/>
           </a:p>
@@ -3227,7 +3227,7 @@
             <a:fld id="{2507A560-5431-4D67-A70E-F61FB3F9DA0A}" type="datetimeFigureOut">
               <a:rPr lang="ko-KR" altLang="en-US" smtClean="0"/>
               <a:pPr/>
-              <a:t>2023-11-28</a:t>
+              <a:t>2023-12-04</a:t>
             </a:fld>
             <a:endParaRPr lang="ko-KR" altLang="en-US"/>
           </a:p>
@@ -4566,32 +4566,6 @@
           </a:fontRef>
         </p:style>
       </p:cxnSp>
-      <p:pic>
-        <p:nvPicPr>
-          <p:cNvPr id="1038" name="Picture 14" descr="aws ec2 png 이미지 검색결과&quot;"/>
-          <p:cNvPicPr>
-            <a:picLocks noChangeAspect="1" noChangeArrowheads="1"/>
-          </p:cNvPicPr>
-          <p:nvPr/>
-        </p:nvPicPr>
-        <p:blipFill>
-          <a:blip r:embed="rId5"/>
-          <a:srcRect/>
-          <a:stretch>
-            <a:fillRect/>
-          </a:stretch>
-        </p:blipFill>
-        <p:spPr bwMode="auto">
-          <a:xfrm>
-            <a:off x="2214546" y="2214554"/>
-            <a:ext cx="2068572" cy="1321588"/>
-          </a:xfrm>
-          <a:prstGeom prst="rect">
-            <a:avLst/>
-          </a:prstGeom>
-          <a:noFill/>
-        </p:spPr>
-      </p:pic>
       <p:grpSp>
         <p:nvGrpSpPr>
           <p:cNvPr id="48" name="그룹 47"/>
@@ -5502,6 +5476,47 @@
           </a:extLst>
         </p:spPr>
       </p:pic>
+      <p:pic>
+        <p:nvPicPr>
+          <p:cNvPr id="5" name="Picture 2" descr="Computer desktop - Free computer icons"/>
+          <p:cNvPicPr>
+            <a:picLocks noChangeAspect="1" noChangeArrowheads="1"/>
+          </p:cNvPicPr>
+          <p:nvPr/>
+        </p:nvPicPr>
+        <p:blipFill>
+          <a:blip r:embed="rId16" cstate="print">
+            <a:extLst>
+              <a:ext uri="{28A0092B-C50C-407E-A947-70E740481C1C}">
+                <a14:useLocalDpi xmlns:a14="http://schemas.microsoft.com/office/drawing/2010/main" val="0"/>
+              </a:ext>
+            </a:extLst>
+          </a:blip>
+          <a:srcRect/>
+          <a:stretch>
+            <a:fillRect/>
+          </a:stretch>
+        </p:blipFill>
+        <p:spPr bwMode="auto">
+          <a:xfrm>
+            <a:off x="3130861" y="2293280"/>
+            <a:ext cx="938235" cy="938235"/>
+          </a:xfrm>
+          <a:prstGeom prst="rect">
+            <a:avLst/>
+          </a:prstGeom>
+          <a:noFill/>
+          <a:extLst>
+            <a:ext uri="{909E8E84-426E-40DD-AFC4-6F175D3DCCD1}">
+              <a14:hiddenFill xmlns:a14="http://schemas.microsoft.com/office/drawing/2010/main">
+                <a:solidFill>
+                  <a:srgbClr val="FFFFFF"/>
+                </a:solidFill>
+              </a14:hiddenFill>
+            </a:ext>
+          </a:extLst>
+        </p:spPr>
+      </p:pic>
     </p:spTree>
   </p:cSld>
   <p:clrMapOvr>
@@ -6160,36 +6175,9 @@
               <a:rPr lang="en-US" altLang="ko-KR" sz="1600" dirty="0" smtClean="0"/>
               <a:t>upload</a:t>
             </a:r>
-            <a:endParaRPr lang="en-US" altLang="ko-KR" sz="1600" dirty="0" smtClean="0"/>
-          </a:p>
-        </p:txBody>
-      </p:sp>
-      <p:pic>
-        <p:nvPicPr>
-          <p:cNvPr id="1038" name="Picture 14" descr="aws ec2 png 이미지 검색결과&quot;"/>
-          <p:cNvPicPr>
-            <a:picLocks noChangeAspect="1" noChangeArrowheads="1"/>
-          </p:cNvPicPr>
-          <p:nvPr/>
-        </p:nvPicPr>
-        <p:blipFill>
-          <a:blip r:embed="rId5"/>
-          <a:srcRect/>
-          <a:stretch>
-            <a:fillRect/>
-          </a:stretch>
-        </p:blipFill>
-        <p:spPr bwMode="auto">
-          <a:xfrm>
-            <a:off x="1762619" y="2146096"/>
-            <a:ext cx="2068572" cy="1321588"/>
-          </a:xfrm>
-          <a:prstGeom prst="rect">
-            <a:avLst/>
-          </a:prstGeom>
-          <a:noFill/>
-        </p:spPr>
-      </p:pic>
+          </a:p>
+        </p:txBody>
+      </p:sp>
       <p:grpSp>
         <p:nvGrpSpPr>
           <p:cNvPr id="48" name="그룹 47"/>
@@ -6213,7 +6201,7 @@
             <p:nvPr/>
           </p:nvPicPr>
           <p:blipFill>
-            <a:blip r:embed="rId6" cstate="print"/>
+            <a:blip r:embed="rId5" cstate="print"/>
             <a:srcRect/>
             <a:stretch>
               <a:fillRect/>
@@ -6497,6 +6485,47 @@
           <p:nvPr/>
         </p:nvPicPr>
         <p:blipFill>
+          <a:blip r:embed="rId6" cstate="print">
+            <a:extLst>
+              <a:ext uri="{28A0092B-C50C-407E-A947-70E740481C1C}">
+                <a14:useLocalDpi xmlns:a14="http://schemas.microsoft.com/office/drawing/2010/main" val="0"/>
+              </a:ext>
+            </a:extLst>
+          </a:blip>
+          <a:srcRect/>
+          <a:stretch>
+            <a:fillRect/>
+          </a:stretch>
+        </p:blipFill>
+        <p:spPr bwMode="auto">
+          <a:xfrm>
+            <a:off x="7471905" y="7496481"/>
+            <a:ext cx="1577138" cy="661796"/>
+          </a:xfrm>
+          <a:prstGeom prst="rect">
+            <a:avLst/>
+          </a:prstGeom>
+          <a:noFill/>
+          <a:extLst>
+            <a:ext uri="{909E8E84-426E-40DD-AFC4-6F175D3DCCD1}">
+              <a14:hiddenFill xmlns:a14="http://schemas.microsoft.com/office/drawing/2010/main">
+                <a:solidFill>
+                  <a:srgbClr val="FFFFFF"/>
+                </a:solidFill>
+              </a14:hiddenFill>
+            </a:ext>
+          </a:extLst>
+        </p:spPr>
+      </p:pic>
+      <p:pic>
+        <p:nvPicPr>
+          <p:cNvPr id="5" name="Picture 2" descr="NPM&quot; Icon - Download for free – Iconduck"/>
+          <p:cNvPicPr>
+            <a:picLocks noChangeAspect="1" noChangeArrowheads="1"/>
+          </p:cNvPicPr>
+          <p:nvPr/>
+        </p:nvPicPr>
+        <p:blipFill>
           <a:blip r:embed="rId7" cstate="print">
             <a:extLst>
               <a:ext uri="{28A0092B-C50C-407E-A947-70E740481C1C}">
@@ -6511,8 +6540,8 @@
         </p:blipFill>
         <p:spPr bwMode="auto">
           <a:xfrm>
-            <a:off x="7471905" y="7496481"/>
-            <a:ext cx="1577138" cy="661796"/>
+            <a:off x="2395064" y="4788263"/>
+            <a:ext cx="473736" cy="473736"/>
           </a:xfrm>
           <a:prstGeom prst="rect">
             <a:avLst/>
@@ -6529,9 +6558,45 @@
           </a:extLst>
         </p:spPr>
       </p:pic>
+      <p:sp>
+        <p:nvSpPr>
+          <p:cNvPr id="64" name="TextBox 63"/>
+          <p:cNvSpPr txBox="1"/>
+          <p:nvPr/>
+        </p:nvSpPr>
+        <p:spPr>
+          <a:xfrm>
+            <a:off x="3174218" y="4794816"/>
+            <a:ext cx="723275" cy="584775"/>
+          </a:xfrm>
+          <a:prstGeom prst="rect">
+            <a:avLst/>
+          </a:prstGeom>
+          <a:noFill/>
+        </p:spPr>
+        <p:txBody>
+          <a:bodyPr wrap="none" rtlCol="0">
+            <a:spAutoFit/>
+          </a:bodyPr>
+          <a:lstStyle/>
+          <a:p>
+            <a:r>
+              <a:rPr lang="en-US" altLang="ko-KR" sz="1600" dirty="0" smtClean="0"/>
+              <a:t>install</a:t>
+            </a:r>
+            <a:br>
+              <a:rPr lang="en-US" altLang="ko-KR" sz="1600" dirty="0" smtClean="0"/>
+            </a:br>
+            <a:r>
+              <a:rPr lang="en-US" altLang="ko-KR" sz="1600" dirty="0" smtClean="0"/>
+              <a:t>build</a:t>
+            </a:r>
+          </a:p>
+        </p:txBody>
+      </p:sp>
       <p:pic>
         <p:nvPicPr>
-          <p:cNvPr id="5" name="Picture 2" descr="NPM&quot; Icon - Download for free – Iconduck"/>
+          <p:cNvPr id="10" name="Picture 4" descr="How to use the AWS CLI with almost any Storage – Storage Made Easy Blog"/>
           <p:cNvPicPr>
             <a:picLocks noChangeAspect="1" noChangeArrowheads="1"/>
           </p:cNvPicPr>
@@ -6552,88 +6617,6 @@
         </p:blipFill>
         <p:spPr bwMode="auto">
           <a:xfrm>
-            <a:off x="2395064" y="4788263"/>
-            <a:ext cx="473736" cy="473736"/>
-          </a:xfrm>
-          <a:prstGeom prst="rect">
-            <a:avLst/>
-          </a:prstGeom>
-          <a:noFill/>
-          <a:extLst>
-            <a:ext uri="{909E8E84-426E-40DD-AFC4-6F175D3DCCD1}">
-              <a14:hiddenFill xmlns:a14="http://schemas.microsoft.com/office/drawing/2010/main">
-                <a:solidFill>
-                  <a:srgbClr val="FFFFFF"/>
-                </a:solidFill>
-              </a14:hiddenFill>
-            </a:ext>
-          </a:extLst>
-        </p:spPr>
-      </p:pic>
-      <p:sp>
-        <p:nvSpPr>
-          <p:cNvPr id="64" name="TextBox 63"/>
-          <p:cNvSpPr txBox="1"/>
-          <p:nvPr/>
-        </p:nvSpPr>
-        <p:spPr>
-          <a:xfrm>
-            <a:off x="3174218" y="4794816"/>
-            <a:ext cx="723275" cy="584775"/>
-          </a:xfrm>
-          <a:prstGeom prst="rect">
-            <a:avLst/>
-          </a:prstGeom>
-          <a:noFill/>
-        </p:spPr>
-        <p:txBody>
-          <a:bodyPr wrap="none" rtlCol="0">
-            <a:spAutoFit/>
-          </a:bodyPr>
-          <a:lstStyle/>
-          <a:p>
-            <a:r>
-              <a:rPr lang="en-US" altLang="ko-KR" sz="1600" dirty="0" smtClean="0"/>
-              <a:t>i</a:t>
-            </a:r>
-            <a:r>
-              <a:rPr lang="en-US" altLang="ko-KR" sz="1600" dirty="0" smtClean="0"/>
-              <a:t>nstall</a:t>
-            </a:r>
-            <a:br>
-              <a:rPr lang="en-US" altLang="ko-KR" sz="1600" dirty="0" smtClean="0"/>
-            </a:br>
-            <a:r>
-              <a:rPr lang="en-US" altLang="ko-KR" sz="1600" dirty="0" smtClean="0"/>
-              <a:t>build</a:t>
-            </a:r>
-            <a:endParaRPr lang="en-US" altLang="ko-KR" sz="1600" dirty="0" smtClean="0"/>
-          </a:p>
-        </p:txBody>
-      </p:sp>
-      <p:pic>
-        <p:nvPicPr>
-          <p:cNvPr id="10" name="Picture 4" descr="How to use the AWS CLI with almost any Storage – Storage Made Easy Blog"/>
-          <p:cNvPicPr>
-            <a:picLocks noChangeAspect="1" noChangeArrowheads="1"/>
-          </p:cNvPicPr>
-          <p:nvPr/>
-        </p:nvPicPr>
-        <p:blipFill>
-          <a:blip r:embed="rId9" cstate="print">
-            <a:extLst>
-              <a:ext uri="{28A0092B-C50C-407E-A947-70E740481C1C}">
-                <a14:useLocalDpi xmlns:a14="http://schemas.microsoft.com/office/drawing/2010/main" val="0"/>
-              </a:ext>
-            </a:extLst>
-          </a:blip>
-          <a:srcRect/>
-          <a:stretch>
-            <a:fillRect/>
-          </a:stretch>
-        </p:blipFill>
-        <p:spPr bwMode="auto">
-          <a:xfrm>
             <a:off x="2357581" y="5512787"/>
             <a:ext cx="643640" cy="590580"/>
           </a:xfrm>
@@ -6667,10 +6650,10 @@
           <p:nvPr/>
         </p:nvPicPr>
         <p:blipFill>
-          <a:blip r:embed="rId10">
+          <a:blip r:embed="rId9">
             <a:extLst>
               <a:ext uri="{96DAC541-7B7A-43D3-8B79-37D633B846F1}">
-                <asvg:svgBlip xmlns:asvg="http://schemas.microsoft.com/office/drawing/2016/SVG/main" xmlns="" r:embed="rId11"/>
+                <asvg:svgBlip xmlns="" xmlns:asvg="http://schemas.microsoft.com/office/drawing/2016/SVG/main" r:embed="rId11"/>
               </a:ext>
             </a:extLst>
           </a:blip>
@@ -6728,7 +6711,7 @@
           <a:blip r:embed="rId12">
             <a:extLst>
               <a:ext uri="{96DAC541-7B7A-43D3-8B79-37D633B846F1}">
-                <asvg:svgBlip xmlns:asvg="http://schemas.microsoft.com/office/drawing/2016/SVG/main" xmlns="" r:embed="rId23"/>
+                <asvg:svgBlip xmlns="" xmlns:asvg="http://schemas.microsoft.com/office/drawing/2016/SVG/main" r:embed="rId23"/>
               </a:ext>
             </a:extLst>
           </a:blip>
@@ -6764,7 +6747,7 @@
           <a:blip r:embed="rId24">
             <a:extLst>
               <a:ext uri="{96DAC541-7B7A-43D3-8B79-37D633B846F1}">
-                <asvg:svgBlip xmlns:asvg="http://schemas.microsoft.com/office/drawing/2016/SVG/main" xmlns="" r:embed="rId25"/>
+                <asvg:svgBlip xmlns="" xmlns:asvg="http://schemas.microsoft.com/office/drawing/2016/SVG/main" r:embed="rId25"/>
               </a:ext>
             </a:extLst>
           </a:blip>
@@ -6868,7 +6851,6 @@
               <a:rPr lang="en-US" altLang="ko-KR" sz="1600" dirty="0" smtClean="0"/>
               <a:t>AWS S3</a:t>
             </a:r>
-            <a:endParaRPr lang="en-US" altLang="ko-KR" sz="1600" dirty="0" smtClean="0"/>
           </a:p>
         </p:txBody>
       </p:sp>
@@ -6898,7 +6880,6 @@
               <a:rPr lang="en-US" altLang="ko-KR" sz="1600" dirty="0" smtClean="0"/>
               <a:t>Bucket</a:t>
             </a:r>
-            <a:endParaRPr lang="en-US" altLang="ko-KR" sz="1600" dirty="0" smtClean="0"/>
           </a:p>
         </p:txBody>
       </p:sp>
@@ -6920,7 +6901,7 @@
           <a:blip r:embed="rId26">
             <a:extLst>
               <a:ext uri="{96DAC541-7B7A-43D3-8B79-37D633B846F1}">
-                <asvg:svgBlip xmlns:asvg="http://schemas.microsoft.com/office/drawing/2016/SVG/main" xmlns="" r:embed="rId27"/>
+                <asvg:svgBlip xmlns="" xmlns:asvg="http://schemas.microsoft.com/office/drawing/2016/SVG/main" r:embed="rId27"/>
               </a:ext>
             </a:extLst>
           </a:blip>
@@ -6978,7 +6959,7 @@
           <a:blip r:embed="rId28">
             <a:extLst>
               <a:ext uri="{96DAC541-7B7A-43D3-8B79-37D633B846F1}">
-                <asvg:svgBlip xmlns:asvg="http://schemas.microsoft.com/office/drawing/2016/SVG/main" xmlns="" r:embed="rId29"/>
+                <asvg:svgBlip xmlns="" xmlns:asvg="http://schemas.microsoft.com/office/drawing/2016/SVG/main" r:embed="rId29"/>
               </a:ext>
             </a:extLst>
           </a:blip>
@@ -7036,7 +7017,7 @@
           <a:blip r:embed="rId30">
             <a:extLst>
               <a:ext uri="{96DAC541-7B7A-43D3-8B79-37D633B846F1}">
-                <asvg:svgBlip xmlns:asvg="http://schemas.microsoft.com/office/drawing/2016/SVG/main" xmlns="" r:embed="rId31"/>
+                <asvg:svgBlip xmlns="" xmlns:asvg="http://schemas.microsoft.com/office/drawing/2016/SVG/main" r:embed="rId31"/>
               </a:ext>
             </a:extLst>
           </a:blip>
@@ -7113,7 +7094,6 @@
               <a:rPr lang="en-US" altLang="ko-KR" sz="1600" dirty="0" smtClean="0"/>
               <a:t>event</a:t>
             </a:r>
-            <a:endParaRPr lang="en-US" altLang="ko-KR" sz="1600" dirty="0" smtClean="0"/>
           </a:p>
         </p:txBody>
       </p:sp>
@@ -7228,7 +7208,6 @@
               <a:rPr lang="en-US" altLang="ko-KR" sz="1600" dirty="0" smtClean="0"/>
               <a:t>Distribution</a:t>
             </a:r>
-            <a:endParaRPr lang="en-US" altLang="ko-KR" sz="1600" dirty="0" smtClean="0"/>
           </a:p>
         </p:txBody>
       </p:sp>
@@ -7363,7 +7342,6 @@
               <a:rPr lang="en-US" altLang="ko-KR" sz="1600" dirty="0" smtClean="0"/>
               <a:t>distribute</a:t>
             </a:r>
-            <a:endParaRPr lang="en-US" altLang="ko-KR" sz="1600" dirty="0" smtClean="0"/>
           </a:p>
         </p:txBody>
       </p:sp>
@@ -7411,7 +7389,7 @@
             <a:pPr algn="ctr"/>
             <a:r>
               <a:rPr lang="en-US" altLang="ko-KR" sz="1200" b="1" dirty="0"/>
-              <a:t>5</a:t>
+              <a:t>6</a:t>
             </a:r>
             <a:endParaRPr lang="ko-KR" altLang="en-US" sz="1200" b="1" dirty="0"/>
           </a:p>
@@ -7473,7 +7451,6 @@
               <a:rPr lang="en-US" altLang="ko-KR" sz="1600" dirty="0" smtClean="0"/>
               <a:t>Lambda</a:t>
             </a:r>
-            <a:endParaRPr lang="en-US" altLang="ko-KR" sz="1600" dirty="0" smtClean="0"/>
           </a:p>
         </p:txBody>
       </p:sp>
@@ -7550,8 +7527,8 @@
           <a:p>
             <a:pPr algn="ctr"/>
             <a:r>
-              <a:rPr lang="en-US" altLang="ko-KR" sz="1200" b="1" dirty="0" smtClean="0"/>
-              <a:t>4</a:t>
+              <a:rPr lang="en-US" altLang="ko-KR" sz="1200" b="1" dirty="0"/>
+              <a:t>5</a:t>
             </a:r>
             <a:endParaRPr lang="ko-KR" altLang="en-US" sz="1200" b="1" dirty="0"/>
           </a:p>
@@ -7583,10 +7560,167 @@
               <a:rPr lang="en-US" altLang="ko-KR" sz="1600" dirty="0" smtClean="0"/>
               <a:t>invalidation</a:t>
             </a:r>
+          </a:p>
+        </p:txBody>
+      </p:sp>
+      <p:cxnSp>
+        <p:nvCxnSpPr>
+          <p:cNvPr id="60" name="직선 화살표 연결선 59"/>
+          <p:cNvCxnSpPr/>
+          <p:nvPr/>
+        </p:nvCxnSpPr>
+        <p:spPr>
+          <a:xfrm flipH="1">
+            <a:off x="5230979" y="4409385"/>
+            <a:ext cx="787896" cy="7973"/>
+          </a:xfrm>
+          <a:prstGeom prst="straightConnector1">
+            <a:avLst/>
+          </a:prstGeom>
+          <a:ln>
+            <a:tailEnd type="arrow"/>
+          </a:ln>
+        </p:spPr>
+        <p:style>
+          <a:lnRef idx="1">
+            <a:schemeClr val="accent1"/>
+          </a:lnRef>
+          <a:fillRef idx="0">
+            <a:schemeClr val="accent1"/>
+          </a:fillRef>
+          <a:effectRef idx="0">
+            <a:schemeClr val="accent1"/>
+          </a:effectRef>
+          <a:fontRef idx="minor">
+            <a:schemeClr val="tx1"/>
+          </a:fontRef>
+        </p:style>
+      </p:cxnSp>
+      <p:sp>
+        <p:nvSpPr>
+          <p:cNvPr id="63" name="타원 62"/>
+          <p:cNvSpPr/>
+          <p:nvPr/>
+        </p:nvSpPr>
+        <p:spPr>
+          <a:xfrm>
+            <a:off x="5170283" y="4552019"/>
+            <a:ext cx="285752" cy="285752"/>
+          </a:xfrm>
+          <a:prstGeom prst="ellipse">
+            <a:avLst/>
+          </a:prstGeom>
+          <a:solidFill>
+            <a:schemeClr val="accent2"/>
+          </a:solidFill>
+          <a:ln>
+            <a:noFill/>
+          </a:ln>
+        </p:spPr>
+        <p:style>
+          <a:lnRef idx="2">
+            <a:schemeClr val="accent1">
+              <a:shade val="50000"/>
+            </a:schemeClr>
+          </a:lnRef>
+          <a:fillRef idx="1">
+            <a:schemeClr val="accent1"/>
+          </a:fillRef>
+          <a:effectRef idx="0">
+            <a:schemeClr val="accent1"/>
+          </a:effectRef>
+          <a:fontRef idx="minor">
+            <a:schemeClr val="lt1"/>
+          </a:fontRef>
+        </p:style>
+        <p:txBody>
+          <a:bodyPr rtlCol="0" anchor="ctr"/>
+          <a:lstStyle/>
+          <a:p>
+            <a:pPr algn="ctr"/>
+            <a:r>
+              <a:rPr lang="en-US" altLang="ko-KR" sz="1200" b="1" dirty="0" smtClean="0"/>
+              <a:t>4</a:t>
+            </a:r>
+            <a:endParaRPr lang="ko-KR" altLang="en-US" sz="1200" b="1" dirty="0"/>
+          </a:p>
+        </p:txBody>
+      </p:sp>
+      <p:sp>
+        <p:nvSpPr>
+          <p:cNvPr id="65" name="TextBox 64"/>
+          <p:cNvSpPr txBox="1"/>
+          <p:nvPr/>
+        </p:nvSpPr>
+        <p:spPr>
+          <a:xfrm>
+            <a:off x="5494164" y="4546401"/>
+            <a:ext cx="1091966" cy="338554"/>
+          </a:xfrm>
+          <a:prstGeom prst="rect">
+            <a:avLst/>
+          </a:prstGeom>
+          <a:noFill/>
+        </p:spPr>
+        <p:txBody>
+          <a:bodyPr wrap="none" rtlCol="0">
+            <a:spAutoFit/>
+          </a:bodyPr>
+          <a:lstStyle/>
+          <a:p>
+            <a:r>
+              <a:rPr lang="en-US" altLang="ko-KR" sz="1600" dirty="0"/>
+              <a:t>s</a:t>
+            </a:r>
+            <a:r>
+              <a:rPr lang="en-US" altLang="ko-KR" sz="1600" dirty="0" smtClean="0"/>
+              <a:t>et public</a:t>
+            </a:r>
             <a:endParaRPr lang="en-US" altLang="ko-KR" sz="1600" dirty="0" smtClean="0"/>
           </a:p>
         </p:txBody>
       </p:sp>
+      <p:pic>
+        <p:nvPicPr>
+          <p:cNvPr id="66" name="Picture 2" descr="Computer desktop - Free computer icons"/>
+          <p:cNvPicPr>
+            <a:picLocks noChangeAspect="1" noChangeArrowheads="1"/>
+          </p:cNvPicPr>
+          <p:nvPr/>
+        </p:nvPicPr>
+        <p:blipFill>
+          <a:blip r:embed="rId32" cstate="print">
+            <a:extLst>
+              <a:ext uri="{28A0092B-C50C-407E-A947-70E740481C1C}">
+                <a14:useLocalDpi xmlns:a14="http://schemas.microsoft.com/office/drawing/2010/main" val="0"/>
+              </a:ext>
+            </a:extLst>
+          </a:blip>
+          <a:srcRect/>
+          <a:stretch>
+            <a:fillRect/>
+          </a:stretch>
+        </p:blipFill>
+        <p:spPr bwMode="auto">
+          <a:xfrm>
+            <a:off x="2372523" y="2194375"/>
+            <a:ext cx="938235" cy="938235"/>
+          </a:xfrm>
+          <a:prstGeom prst="rect">
+            <a:avLst/>
+          </a:prstGeom>
+          <a:noFill/>
+          <a:extLst>
+            <a:ext uri="{909E8E84-426E-40DD-AFC4-6F175D3DCCD1}">
+              <a14:hiddenFill xmlns:a14="http://schemas.microsoft.com/office/drawing/2010/main">
+                <a:solidFill>
+                  <a:srgbClr val="FFFFFF"/>
+                </a:solidFill>
+              </a14:hiddenFill>
+            </a:ext>
+          </a:extLst>
+        </p:spPr>
+      </p:pic>
     </p:spTree>
     <p:extLst>
       <p:ext uri="{BB962C8B-B14F-4D97-AF65-F5344CB8AC3E}">
@@ -7597,6 +7731,13 @@
   <p:clrMapOvr>
     <a:masterClrMapping/>
   </p:clrMapOvr>
+  <p:timing>
+    <p:tnLst>
+      <p:par>
+        <p:cTn id="1" dur="indefinite" restart="never" nodeType="tmRoot"/>
+      </p:par>
+    </p:tnLst>
+  </p:timing>
 </p:sld>
 </file>
 
